--- a/135/slides/ch01/ch01_sec_1_5.pptx
+++ b/135/slides/ch01/ch01_sec_1_5.pptx
@@ -3650,29 +3650,71 @@
               <a:t>	</a:t>
             </a:r>
             <a:r>
-              <a:rPr lang="en-US" altLang="en-US" sz="2400" b="1" dirty="0" err="1">
-                <a:latin typeface="Courier New" panose="02070309020205020404" pitchFamily="49" charset="0"/>
+              <a:rPr lang="en-US" sz="2400" dirty="0">
+                <a:solidFill>
+                  <a:srgbClr val="000000"/>
+                </a:solidFill>
+                <a:latin typeface="Menlo" panose="020B0609030804020204" pitchFamily="49" charset="0"/>
+              </a:rPr>
+              <a:t> </a:t>
+            </a:r>
+            <a:r>
+              <a:rPr lang="en-US" sz="2400" dirty="0" err="1">
+                <a:solidFill>
+                  <a:srgbClr val="000000"/>
+                </a:solidFill>
+                <a:latin typeface="Menlo" panose="020B0609030804020204" pitchFamily="49" charset="0"/>
               </a:rPr>
               <a:t>cout</a:t>
             </a:r>
             <a:r>
-              <a:rPr lang="en-US" altLang="en-US" sz="2400" b="1" dirty="0">
-                <a:latin typeface="Courier New" panose="02070309020205020404" pitchFamily="49" charset="0"/>
-              </a:rPr>
-              <a:t> &lt;&lt; "Hello World!" &lt;&lt; </a:t>
-            </a:r>
-            <a:r>
-              <a:rPr lang="en-US" altLang="en-US" sz="2400" b="1" dirty="0" err="1">
-                <a:latin typeface="Courier New" panose="02070309020205020404" pitchFamily="49" charset="0"/>
+              <a:rPr lang="en-US" sz="2400" dirty="0">
+                <a:solidFill>
+                  <a:srgbClr val="000000"/>
+                </a:solidFill>
+                <a:latin typeface="Menlo" panose="020B0609030804020204" pitchFamily="49" charset="0"/>
+              </a:rPr>
+              <a:t> &lt;&lt; </a:t>
+            </a:r>
+            <a:r>
+              <a:rPr lang="en-US" sz="2400" dirty="0">
+                <a:solidFill>
+                  <a:srgbClr val="B42419"/>
+                </a:solidFill>
+                <a:latin typeface="Menlo" panose="020B0609030804020204" pitchFamily="49" charset="0"/>
+              </a:rPr>
+              <a:t>"Hello, World!"</a:t>
+            </a:r>
+            <a:r>
+              <a:rPr lang="en-US" sz="2400" dirty="0">
+                <a:solidFill>
+                  <a:srgbClr val="000000"/>
+                </a:solidFill>
+                <a:latin typeface="Menlo" panose="020B0609030804020204" pitchFamily="49" charset="0"/>
+              </a:rPr>
+              <a:t> &lt;&lt; </a:t>
+            </a:r>
+            <a:r>
+              <a:rPr lang="en-US" sz="2400" dirty="0" err="1">
+                <a:solidFill>
+                  <a:srgbClr val="000000"/>
+                </a:solidFill>
+                <a:latin typeface="Menlo" panose="020B0609030804020204" pitchFamily="49" charset="0"/>
               </a:rPr>
               <a:t>endl</a:t>
             </a:r>
             <a:r>
-              <a:rPr lang="en-US" altLang="en-US" sz="2400" b="1" dirty="0">
-                <a:latin typeface="Courier New" panose="02070309020205020404" pitchFamily="49" charset="0"/>
+              <a:rPr lang="en-US" sz="2400" dirty="0">
+                <a:solidFill>
+                  <a:srgbClr val="000000"/>
+                </a:solidFill>
+                <a:latin typeface="Menlo" panose="020B0609030804020204" pitchFamily="49" charset="0"/>
               </a:rPr>
               <a:t>;</a:t>
             </a:r>
+            <a:endParaRPr lang="en-US" altLang="en-US" sz="2400" b="1" dirty="0">
+              <a:latin typeface="Courier New" panose="02070309020205020404" pitchFamily="49" charset="0"/>
+            </a:endParaRPr>
           </a:p>
           <a:p>
             <a:pPr eaLnBrk="1" hangingPunct="1">
@@ -4470,8 +4512,8 @@
         </p:nvSpPr>
         <p:spPr>
           <a:xfrm>
-            <a:off x="457199" y="838200"/>
-            <a:ext cx="8438827" cy="4525963"/>
+            <a:off x="457199" y="685800"/>
+            <a:ext cx="8438827" cy="4678363"/>
           </a:xfrm>
         </p:spPr>
         <p:txBody>
@@ -4481,7 +4523,13 @@
             <a:pPr eaLnBrk="1" hangingPunct="1"/>
             <a:r>
               <a:rPr lang="en-US" altLang="en-US" sz="2800" dirty="0"/>
-              <a:t>Each statement in C++  ends in a semicolon;</a:t>
+              <a:t>Each statement in C++  ends in a semicolon</a:t>
+            </a:r>
+            <a:r>
+              <a:rPr lang="en-US" altLang="en-US" sz="3600" kern="1200" dirty="0">
+                <a:latin typeface="Menlo" panose="020B0609030804020204" pitchFamily="49" charset="0"/>
+              </a:rPr>
+              <a:t>;</a:t>
             </a:r>
           </a:p>
           <a:p>
@@ -4556,10 +4604,11 @@
               <a:rPr lang="en-US" altLang="en-US" sz="2400" dirty="0"/>
               <a:t>It is a strange idiosyncrasy, but you will get used to it</a:t>
             </a:r>
-          </a:p>
-          <a:p>
-            <a:pPr lvl="1" eaLnBrk="1" hangingPunct="1"/>
-            <a:endParaRPr lang="en-US" altLang="en-US" sz="2000" dirty="0"/>
+            <a:r>
+              <a:rPr lang="en-US" altLang="en-US" sz="2000" dirty="0"/>
+              <a:t>.</a:t>
+            </a:r>
+            <a:endParaRPr lang="en-US" altLang="en-US" sz="2400" dirty="0"/>
           </a:p>
         </p:txBody>
       </p:sp>
@@ -4755,8 +4804,8 @@
         </p:nvSpPr>
         <p:spPr>
           <a:xfrm>
-            <a:off x="1134722" y="3333656"/>
-            <a:ext cx="7083779" cy="2677656"/>
+            <a:off x="1134722" y="3092946"/>
+            <a:ext cx="7083779" cy="3231654"/>
           </a:xfrm>
           <a:prstGeom prst="rect">
             <a:avLst/>
@@ -4768,195 +4817,237 @@
           </a:bodyPr>
           <a:lstStyle/>
           <a:p>
-            <a:pPr marL="0" indent="0" eaLnBrk="1" hangingPunct="1">
+            <a:pPr marL="0" indent="0">
               <a:buNone/>
             </a:pPr>
             <a:r>
-              <a:rPr lang="en-US" sz="2400" i="0" dirty="0">
-                <a:solidFill>
-                  <a:srgbClr val="3C3C3C"/>
-                </a:solidFill>
-                <a:cs typeface="Courier New" panose="02070309020205020404" pitchFamily="49" charset="0"/>
-              </a:rPr>
-              <a:t>#include &lt;</a:t>
-            </a:r>
-            <a:r>
-              <a:rPr lang="en-US" sz="2400" i="0" dirty="0" err="1">
-                <a:solidFill>
-                  <a:srgbClr val="3C3C3C"/>
-                </a:solidFill>
-                <a:cs typeface="Courier New" panose="02070309020205020404" pitchFamily="49" charset="0"/>
-              </a:rPr>
-              <a:t>iostream</a:t>
-            </a:r>
-            <a:r>
-              <a:rPr lang="en-US" sz="2400" i="0" dirty="0">
-                <a:solidFill>
-                  <a:srgbClr val="3C3C3C"/>
-                </a:solidFill>
-                <a:cs typeface="Courier New" panose="02070309020205020404" pitchFamily="49" charset="0"/>
-              </a:rPr>
-              <a:t>&gt;</a:t>
-            </a:r>
-          </a:p>
-          <a:p>
-            <a:pPr marL="0" indent="0" eaLnBrk="1" hangingPunct="1">
+              <a:rPr lang="en-US" sz="2400" b="0" i="0" dirty="0">
+                <a:solidFill>
+                  <a:srgbClr val="C814C9"/>
+                </a:solidFill>
+                <a:latin typeface="Menlo" panose="020B0609030804020204" pitchFamily="49" charset="0"/>
+              </a:rPr>
+              <a:t>#include </a:t>
+            </a:r>
+            <a:r>
+              <a:rPr lang="en-US" sz="2400" b="0" i="0" dirty="0">
+                <a:solidFill>
+                  <a:srgbClr val="B42419"/>
+                </a:solidFill>
+                <a:latin typeface="Menlo" panose="020B0609030804020204" pitchFamily="49" charset="0"/>
+              </a:rPr>
+              <a:t>&lt;iostream&gt;</a:t>
+            </a:r>
+          </a:p>
+          <a:p>
+            <a:pPr marL="0" indent="0">
               <a:buNone/>
             </a:pPr>
             <a:r>
-              <a:rPr lang="en-US" sz="2400" i="0" dirty="0">
-                <a:solidFill>
-                  <a:srgbClr val="FF0000"/>
-                </a:solidFill>
-                <a:cs typeface="Courier New" panose="02070309020205020404" pitchFamily="49" charset="0"/>
-              </a:rPr>
-              <a:t>using namespace </a:t>
-            </a:r>
-            <a:r>
-              <a:rPr lang="en-US" sz="2400" i="0" dirty="0" err="1">
-                <a:solidFill>
-                  <a:srgbClr val="FF0000"/>
-                </a:solidFill>
-                <a:cs typeface="Courier New" panose="02070309020205020404" pitchFamily="49" charset="0"/>
-              </a:rPr>
-              <a:t>std</a:t>
-            </a:r>
-            <a:r>
-              <a:rPr lang="en-US" sz="2400" i="0" u="sng" dirty="0">
-                <a:solidFill>
-                  <a:srgbClr val="FF0000"/>
-                </a:solidFill>
-                <a:cs typeface="Courier New" panose="02070309020205020404" pitchFamily="49" charset="0"/>
+              <a:rPr lang="en-US" sz="2400" b="0" i="0" dirty="0">
+                <a:solidFill>
+                  <a:srgbClr val="C1651C"/>
+                </a:solidFill>
+                <a:latin typeface="Menlo" panose="020B0609030804020204" pitchFamily="49" charset="0"/>
+              </a:rPr>
+              <a:t>using</a:t>
+            </a:r>
+            <a:r>
+              <a:rPr lang="en-US" sz="2400" b="0" i="0" dirty="0">
+                <a:solidFill>
+                  <a:srgbClr val="000000"/>
+                </a:solidFill>
+                <a:latin typeface="Menlo" panose="020B0609030804020204" pitchFamily="49" charset="0"/>
+              </a:rPr>
+              <a:t> </a:t>
+            </a:r>
+            <a:r>
+              <a:rPr lang="en-US" sz="2400" b="0" i="0" dirty="0">
+                <a:solidFill>
+                  <a:srgbClr val="2FB41D"/>
+                </a:solidFill>
+                <a:latin typeface="Menlo" panose="020B0609030804020204" pitchFamily="49" charset="0"/>
+              </a:rPr>
+              <a:t>namespace</a:t>
+            </a:r>
+            <a:r>
+              <a:rPr lang="en-US" sz="2400" b="0" i="0" dirty="0">
+                <a:solidFill>
+                  <a:srgbClr val="000000"/>
+                </a:solidFill>
+                <a:latin typeface="Menlo" panose="020B0609030804020204" pitchFamily="49" charset="0"/>
+              </a:rPr>
+              <a:t> std</a:t>
+            </a:r>
+            <a:r>
+              <a:rPr lang="en-US" sz="3600" b="0" i="0" dirty="0">
+                <a:latin typeface="Menlo" panose="020B0609030804020204" pitchFamily="49" charset="0"/>
               </a:rPr>
               <a:t>;</a:t>
             </a:r>
-            <a:r>
-              <a:rPr lang="en-US" sz="2400" i="0" dirty="0">
-                <a:solidFill>
-                  <a:srgbClr val="FF0000"/>
-                </a:solidFill>
-                <a:cs typeface="Courier New" panose="02070309020205020404" pitchFamily="49" charset="0"/>
+          </a:p>
+          <a:p>
+            <a:pPr marL="0" indent="0">
+              <a:buNone/>
+            </a:pPr>
+            <a:r>
+              <a:rPr lang="en-US" sz="2400" b="0" i="0" dirty="0">
+                <a:solidFill>
+                  <a:srgbClr val="2FB41D"/>
+                </a:solidFill>
+                <a:latin typeface="Menlo" panose="020B0609030804020204" pitchFamily="49" charset="0"/>
+              </a:rPr>
+              <a:t>int</a:t>
+            </a:r>
+            <a:r>
+              <a:rPr lang="en-US" sz="2400" b="0" i="0" dirty="0">
+                <a:solidFill>
+                  <a:srgbClr val="000000"/>
+                </a:solidFill>
+                <a:latin typeface="Menlo" panose="020B0609030804020204" pitchFamily="49" charset="0"/>
+              </a:rPr>
+              <a:t> main()</a:t>
+            </a:r>
+          </a:p>
+          <a:p>
+            <a:pPr marL="0" indent="0">
+              <a:buNone/>
+            </a:pPr>
+            <a:r>
+              <a:rPr lang="en-US" sz="2400" b="0" i="0" dirty="0">
+                <a:solidFill>
+                  <a:srgbClr val="000000"/>
+                </a:solidFill>
+                <a:latin typeface="Menlo" panose="020B0609030804020204" pitchFamily="49" charset="0"/>
+              </a:rPr>
+              <a:t>{</a:t>
+            </a:r>
+          </a:p>
+          <a:p>
+            <a:pPr marL="0" indent="0">
+              <a:buNone/>
+            </a:pPr>
+            <a:r>
+              <a:rPr lang="en-US" sz="2400" b="0" i="0" dirty="0">
+                <a:solidFill>
+                  <a:srgbClr val="000000"/>
+                </a:solidFill>
+                <a:latin typeface="Menlo" panose="020B0609030804020204" pitchFamily="49" charset="0"/>
+              </a:rPr>
+              <a:t>  </a:t>
+            </a:r>
+            <a:r>
+              <a:rPr lang="en-US" sz="2400" b="0" i="0" dirty="0" err="1">
+                <a:solidFill>
+                  <a:srgbClr val="000000"/>
+                </a:solidFill>
+                <a:latin typeface="Menlo" panose="020B0609030804020204" pitchFamily="49" charset="0"/>
+              </a:rPr>
+              <a:t>cout</a:t>
+            </a:r>
+            <a:r>
+              <a:rPr lang="en-US" sz="2400" b="0" i="0" dirty="0">
+                <a:solidFill>
+                  <a:srgbClr val="000000"/>
+                </a:solidFill>
+                <a:latin typeface="Menlo" panose="020B0609030804020204" pitchFamily="49" charset="0"/>
+              </a:rPr>
+              <a:t> &lt;&lt; </a:t>
+            </a:r>
+            <a:r>
+              <a:rPr lang="en-US" sz="2400" b="0" i="0" dirty="0">
+                <a:solidFill>
+                  <a:srgbClr val="B42419"/>
+                </a:solidFill>
+                <a:latin typeface="Menlo" panose="020B0609030804020204" pitchFamily="49" charset="0"/>
+              </a:rPr>
+              <a:t>"Hello, World!"</a:t>
+            </a:r>
+            <a:r>
+              <a:rPr lang="en-US" sz="2400" b="0" i="0" dirty="0">
+                <a:solidFill>
+                  <a:srgbClr val="000000"/>
+                </a:solidFill>
+                <a:latin typeface="Menlo" panose="020B0609030804020204" pitchFamily="49" charset="0"/>
+              </a:rPr>
+              <a:t> &lt;&lt; </a:t>
+            </a:r>
+            <a:r>
+              <a:rPr lang="en-US" sz="2400" b="0" i="0" dirty="0" err="1">
+                <a:solidFill>
+                  <a:srgbClr val="000000"/>
+                </a:solidFill>
+                <a:latin typeface="Menlo" panose="020B0609030804020204" pitchFamily="49" charset="0"/>
+              </a:rPr>
+              <a:t>endl</a:t>
+            </a:r>
+            <a:r>
+              <a:rPr lang="en-US" sz="3600" b="0" i="0" dirty="0">
+                <a:latin typeface="Menlo" panose="020B0609030804020204" pitchFamily="49" charset="0"/>
+              </a:rPr>
+              <a:t>;</a:t>
+            </a:r>
+          </a:p>
+          <a:p>
+            <a:pPr marL="0" indent="0">
+              <a:buNone/>
+            </a:pPr>
+            <a:r>
+              <a:rPr lang="en-US" sz="2400" b="0" i="0" dirty="0">
+                <a:solidFill>
+                  <a:srgbClr val="000000"/>
+                </a:solidFill>
+                <a:latin typeface="Menlo" panose="020B0609030804020204" pitchFamily="49" charset="0"/>
+              </a:rPr>
+              <a:t>  </a:t>
+            </a:r>
+            <a:r>
+              <a:rPr lang="en-US" sz="2400" b="0" i="0" dirty="0">
+                <a:solidFill>
+                  <a:srgbClr val="C1651C"/>
+                </a:solidFill>
+                <a:latin typeface="Menlo" panose="020B0609030804020204" pitchFamily="49" charset="0"/>
+              </a:rPr>
+              <a:t>return</a:t>
+            </a:r>
+            <a:r>
+              <a:rPr lang="en-US" sz="2400" b="0" i="0" dirty="0">
+                <a:solidFill>
+                  <a:srgbClr val="000000"/>
+                </a:solidFill>
+                <a:latin typeface="Menlo" panose="020B0609030804020204" pitchFamily="49" charset="0"/>
               </a:rPr>
               <a:t> </a:t>
             </a:r>
-          </a:p>
-          <a:p>
-            <a:pPr marL="0" indent="0" eaLnBrk="1" hangingPunct="1">
+            <a:r>
+              <a:rPr lang="en-US" sz="2400" b="0" i="0" dirty="0">
+                <a:solidFill>
+                  <a:srgbClr val="B42419"/>
+                </a:solidFill>
+                <a:latin typeface="Menlo" panose="020B0609030804020204" pitchFamily="49" charset="0"/>
+              </a:rPr>
+              <a:t>0</a:t>
+            </a:r>
+            <a:r>
+              <a:rPr lang="en-US" sz="3600" b="0" i="0" dirty="0">
+                <a:latin typeface="Menlo" panose="020B0609030804020204" pitchFamily="49" charset="0"/>
+              </a:rPr>
+              <a:t>;</a:t>
+            </a:r>
+          </a:p>
+          <a:p>
+            <a:pPr marL="0" indent="0">
               <a:buNone/>
             </a:pPr>
             <a:r>
-              <a:rPr lang="en-US" sz="2400" i="0" dirty="0" err="1">
-                <a:cs typeface="Courier New" panose="02070309020205020404" pitchFamily="49" charset="0"/>
-              </a:rPr>
-              <a:t>int</a:t>
-            </a:r>
-            <a:r>
-              <a:rPr lang="en-US" sz="2400" i="0" dirty="0">
-                <a:cs typeface="Courier New" panose="02070309020205020404" pitchFamily="49" charset="0"/>
-              </a:rPr>
-              <a:t> main() </a:t>
-            </a:r>
-          </a:p>
-          <a:p>
-            <a:pPr marL="0" indent="0" eaLnBrk="1" hangingPunct="1">
-              <a:buNone/>
-            </a:pPr>
-            <a:r>
-              <a:rPr lang="en-US" sz="2400" i="0" dirty="0">
-                <a:cs typeface="Courier New" panose="02070309020205020404" pitchFamily="49" charset="0"/>
-              </a:rPr>
-              <a:t>{</a:t>
-            </a:r>
-          </a:p>
-          <a:p>
-            <a:pPr marL="0" indent="0" eaLnBrk="1" hangingPunct="1">
-              <a:buNone/>
-            </a:pPr>
-            <a:r>
-              <a:rPr lang="en-US" sz="2400" i="0" dirty="0">
-                <a:cs typeface="Courier New" panose="02070309020205020404" pitchFamily="49" charset="0"/>
-              </a:rPr>
-              <a:t>  </a:t>
-            </a:r>
-            <a:r>
-              <a:rPr lang="en-US" sz="2400" i="0" dirty="0" err="1">
-                <a:solidFill>
-                  <a:srgbClr val="FF0000"/>
-                </a:solidFill>
-                <a:cs typeface="Courier New" panose="02070309020205020404" pitchFamily="49" charset="0"/>
-              </a:rPr>
-              <a:t>cout</a:t>
-            </a:r>
-            <a:r>
-              <a:rPr lang="en-US" sz="2400" i="0" dirty="0">
-                <a:solidFill>
-                  <a:srgbClr val="FF0000"/>
-                </a:solidFill>
-                <a:cs typeface="Courier New" panose="02070309020205020404" pitchFamily="49" charset="0"/>
-              </a:rPr>
-              <a:t> &lt;&lt; "Hello, World!" &lt;&lt; </a:t>
-            </a:r>
-            <a:r>
-              <a:rPr lang="en-US" sz="2400" i="0" dirty="0" err="1">
-                <a:solidFill>
-                  <a:srgbClr val="FF0000"/>
-                </a:solidFill>
-                <a:cs typeface="Courier New" panose="02070309020205020404" pitchFamily="49" charset="0"/>
-              </a:rPr>
-              <a:t>endl</a:t>
-            </a:r>
-            <a:r>
-              <a:rPr lang="en-US" sz="2400" i="0" u="sng" dirty="0">
-                <a:solidFill>
-                  <a:srgbClr val="FF0000"/>
-                </a:solidFill>
-                <a:cs typeface="Courier New" panose="02070309020205020404" pitchFamily="49" charset="0"/>
-              </a:rPr>
-              <a:t>;</a:t>
-            </a:r>
-          </a:p>
-          <a:p>
-            <a:pPr marL="0" indent="0" eaLnBrk="1" hangingPunct="1">
-              <a:buNone/>
-            </a:pPr>
-            <a:r>
-              <a:rPr lang="en-US" sz="2400" i="0" dirty="0">
-                <a:cs typeface="Courier New" panose="02070309020205020404" pitchFamily="49" charset="0"/>
-              </a:rPr>
-              <a:t>  </a:t>
-            </a:r>
-            <a:r>
-              <a:rPr lang="en-US" sz="2400" i="0" dirty="0">
-                <a:solidFill>
-                  <a:srgbClr val="FF0000"/>
-                </a:solidFill>
-                <a:cs typeface="Courier New" panose="02070309020205020404" pitchFamily="49" charset="0"/>
-              </a:rPr>
-              <a:t>return 0</a:t>
-            </a:r>
-            <a:r>
-              <a:rPr lang="en-US" sz="2400" i="0" u="sng" dirty="0">
-                <a:solidFill>
-                  <a:srgbClr val="FF0000"/>
-                </a:solidFill>
-                <a:cs typeface="Courier New" panose="02070309020205020404" pitchFamily="49" charset="0"/>
-              </a:rPr>
-              <a:t>;</a:t>
-            </a:r>
-          </a:p>
-          <a:p>
-            <a:pPr marL="0" indent="0" eaLnBrk="1" hangingPunct="1">
-              <a:buNone/>
-            </a:pPr>
-            <a:r>
-              <a:rPr lang="en-US" sz="2400" i="0" dirty="0">
-                <a:cs typeface="Courier New" panose="02070309020205020404" pitchFamily="49" charset="0"/>
+              <a:rPr lang="en-US" sz="2400" b="0" i="0" dirty="0">
+                <a:solidFill>
+                  <a:srgbClr val="000000"/>
+                </a:solidFill>
+                <a:latin typeface="Menlo" panose="020B0609030804020204" pitchFamily="49" charset="0"/>
               </a:rPr>
               <a:t>}</a:t>
             </a:r>
-            <a:endParaRPr lang="en-US" altLang="en-US" sz="2400" i="0" dirty="0">
-              <a:cs typeface="Courier New" panose="02070309020205020404" pitchFamily="49" charset="0"/>
-            </a:endParaRPr>
           </a:p>
         </p:txBody>
       </p:sp>
@@ -5223,189 +5314,266 @@
             </a:r>
           </a:p>
           <a:p>
-            <a:pPr lvl="1" eaLnBrk="1" hangingPunct="1"/>
-            <a:r>
-              <a:rPr lang="en-US" altLang="en-US" sz="2000" dirty="0"/>
-              <a:t>(yes, everyone who is anyone started with this one)</a:t>
-            </a:r>
-          </a:p>
-          <a:p>
             <a:pPr eaLnBrk="1" hangingPunct="1"/>
             <a:r>
               <a:rPr lang="en-US" altLang="en-US" sz="2400" dirty="0"/>
-              <a:t>Its job is to write the words Hello World!</a:t>
-            </a:r>
-            <a:br>
-              <a:rPr lang="en-US" altLang="en-US" sz="2400" dirty="0"/>
-            </a:br>
-            <a:r>
-              <a:rPr lang="en-US" altLang="en-US" sz="2400" dirty="0"/>
-              <a:t>on the screen.</a:t>
+              <a:t>Write the words Hello World! on the screen.</a:t>
+            </a:r>
+          </a:p>
+          <a:p>
+            <a:pPr marL="0" indent="0" eaLnBrk="1" hangingPunct="1">
+              <a:buNone/>
+            </a:pPr>
+            <a:endParaRPr lang="en-US" altLang="en-US" sz="2400" dirty="0"/>
+          </a:p>
+          <a:p>
+            <a:pPr marL="0" indent="0">
+              <a:buNone/>
+            </a:pPr>
+            <a:r>
+              <a:rPr lang="en-US" sz="2400" dirty="0">
+                <a:solidFill>
+                  <a:srgbClr val="C814C9"/>
+                </a:solidFill>
+                <a:latin typeface="Menlo" panose="020B0609030804020204" pitchFamily="49" charset="0"/>
+              </a:rPr>
+              <a:t>#include </a:t>
+            </a:r>
+            <a:r>
+              <a:rPr lang="en-US" sz="2400" dirty="0">
+                <a:solidFill>
+                  <a:srgbClr val="B42419"/>
+                </a:solidFill>
+                <a:latin typeface="Menlo" panose="020B0609030804020204" pitchFamily="49" charset="0"/>
+              </a:rPr>
+              <a:t>&lt;iostream&gt;</a:t>
+            </a:r>
+          </a:p>
+          <a:p>
+            <a:pPr marL="0" indent="0">
+              <a:buNone/>
+            </a:pPr>
+            <a:r>
+              <a:rPr lang="en-US" sz="2400" dirty="0">
+                <a:solidFill>
+                  <a:srgbClr val="C1651C"/>
+                </a:solidFill>
+                <a:latin typeface="Menlo" panose="020B0609030804020204" pitchFamily="49" charset="0"/>
+              </a:rPr>
+              <a:t>using</a:t>
+            </a:r>
+            <a:r>
+              <a:rPr lang="en-US" sz="2400" dirty="0">
+                <a:solidFill>
+                  <a:srgbClr val="000000"/>
+                </a:solidFill>
+                <a:latin typeface="Menlo" panose="020B0609030804020204" pitchFamily="49" charset="0"/>
+              </a:rPr>
+              <a:t> </a:t>
+            </a:r>
+            <a:r>
+              <a:rPr lang="en-US" sz="2400" dirty="0">
+                <a:solidFill>
+                  <a:srgbClr val="2FB41D"/>
+                </a:solidFill>
+                <a:latin typeface="Menlo" panose="020B0609030804020204" pitchFamily="49" charset="0"/>
+              </a:rPr>
+              <a:t>namespace</a:t>
+            </a:r>
+            <a:r>
+              <a:rPr lang="en-US" sz="2400" dirty="0">
+                <a:solidFill>
+                  <a:srgbClr val="000000"/>
+                </a:solidFill>
+                <a:latin typeface="Menlo" panose="020B0609030804020204" pitchFamily="49" charset="0"/>
+              </a:rPr>
+              <a:t> std;</a:t>
+            </a:r>
+            <a:endParaRPr lang="en-US" sz="2400" dirty="0">
+              <a:solidFill>
+                <a:srgbClr val="2FB41D"/>
+              </a:solidFill>
+              <a:latin typeface="Menlo" panose="020B0609030804020204" pitchFamily="49" charset="0"/>
+            </a:endParaRPr>
+          </a:p>
+          <a:p>
+            <a:pPr marL="0" indent="0">
+              <a:buNone/>
+            </a:pPr>
+            <a:r>
+              <a:rPr lang="en-US" sz="2400" dirty="0">
+                <a:solidFill>
+                  <a:srgbClr val="2FB41D"/>
+                </a:solidFill>
+                <a:latin typeface="Menlo" panose="020B0609030804020204" pitchFamily="49" charset="0"/>
+              </a:rPr>
+              <a:t>int</a:t>
+            </a:r>
+            <a:r>
+              <a:rPr lang="en-US" sz="2400" dirty="0">
+                <a:solidFill>
+                  <a:srgbClr val="000000"/>
+                </a:solidFill>
+                <a:latin typeface="Menlo" panose="020B0609030804020204" pitchFamily="49" charset="0"/>
+              </a:rPr>
+              <a:t> main()</a:t>
+            </a:r>
+          </a:p>
+          <a:p>
+            <a:pPr marL="0" indent="0">
+              <a:buNone/>
+            </a:pPr>
+            <a:r>
+              <a:rPr lang="en-US" sz="2400" dirty="0">
+                <a:solidFill>
+                  <a:srgbClr val="000000"/>
+                </a:solidFill>
+                <a:latin typeface="Menlo" panose="020B0609030804020204" pitchFamily="49" charset="0"/>
+              </a:rPr>
+              <a:t>{</a:t>
+            </a:r>
+          </a:p>
+          <a:p>
+            <a:pPr marL="0" indent="0">
+              <a:buNone/>
+            </a:pPr>
+            <a:r>
+              <a:rPr lang="en-US" sz="2400" dirty="0">
+                <a:solidFill>
+                  <a:srgbClr val="000000"/>
+                </a:solidFill>
+                <a:latin typeface="Menlo" panose="020B0609030804020204" pitchFamily="49" charset="0"/>
+              </a:rPr>
+              <a:t>  </a:t>
+            </a:r>
+            <a:r>
+              <a:rPr lang="en-US" sz="2400" dirty="0" err="1">
+                <a:solidFill>
+                  <a:srgbClr val="000000"/>
+                </a:solidFill>
+                <a:latin typeface="Menlo" panose="020B0609030804020204" pitchFamily="49" charset="0"/>
+              </a:rPr>
+              <a:t>cout</a:t>
+            </a:r>
+            <a:r>
+              <a:rPr lang="en-US" sz="2400" dirty="0">
+                <a:solidFill>
+                  <a:srgbClr val="000000"/>
+                </a:solidFill>
+                <a:latin typeface="Menlo" panose="020B0609030804020204" pitchFamily="49" charset="0"/>
+              </a:rPr>
+              <a:t> &lt;&lt; </a:t>
+            </a:r>
+            <a:r>
+              <a:rPr lang="en-US" sz="2400" dirty="0">
+                <a:solidFill>
+                  <a:srgbClr val="B42419"/>
+                </a:solidFill>
+                <a:latin typeface="Menlo" panose="020B0609030804020204" pitchFamily="49" charset="0"/>
+              </a:rPr>
+              <a:t>"Hello, World!"</a:t>
+            </a:r>
+            <a:r>
+              <a:rPr lang="en-US" sz="2400" dirty="0">
+                <a:solidFill>
+                  <a:srgbClr val="000000"/>
+                </a:solidFill>
+                <a:latin typeface="Menlo" panose="020B0609030804020204" pitchFamily="49" charset="0"/>
+              </a:rPr>
+              <a:t> &lt;&lt; </a:t>
+            </a:r>
+            <a:r>
+              <a:rPr lang="en-US" sz="2400" dirty="0" err="1">
+                <a:solidFill>
+                  <a:srgbClr val="000000"/>
+                </a:solidFill>
+                <a:latin typeface="Menlo" panose="020B0609030804020204" pitchFamily="49" charset="0"/>
+              </a:rPr>
+              <a:t>endl</a:t>
+            </a:r>
+            <a:r>
+              <a:rPr lang="en-US" sz="2400" dirty="0">
+                <a:solidFill>
+                  <a:srgbClr val="000000"/>
+                </a:solidFill>
+                <a:latin typeface="Menlo" panose="020B0609030804020204" pitchFamily="49" charset="0"/>
+              </a:rPr>
+              <a:t>;</a:t>
+            </a:r>
+          </a:p>
+          <a:p>
+            <a:pPr marL="0" indent="0">
+              <a:buNone/>
+            </a:pPr>
+            <a:r>
+              <a:rPr lang="en-US" sz="2400" dirty="0">
+                <a:solidFill>
+                  <a:srgbClr val="000000"/>
+                </a:solidFill>
+                <a:latin typeface="Menlo" panose="020B0609030804020204" pitchFamily="49" charset="0"/>
+              </a:rPr>
+              <a:t>  </a:t>
+            </a:r>
+            <a:r>
+              <a:rPr lang="en-US" sz="2400" dirty="0">
+                <a:solidFill>
+                  <a:srgbClr val="C1651C"/>
+                </a:solidFill>
+                <a:latin typeface="Menlo" panose="020B0609030804020204" pitchFamily="49" charset="0"/>
+              </a:rPr>
+              <a:t>return</a:t>
+            </a:r>
+            <a:r>
+              <a:rPr lang="en-US" sz="2400" dirty="0">
+                <a:solidFill>
+                  <a:srgbClr val="000000"/>
+                </a:solidFill>
+                <a:latin typeface="Menlo" panose="020B0609030804020204" pitchFamily="49" charset="0"/>
+              </a:rPr>
+              <a:t> </a:t>
+            </a:r>
+            <a:r>
+              <a:rPr lang="en-US" sz="2400" dirty="0">
+                <a:solidFill>
+                  <a:srgbClr val="B42419"/>
+                </a:solidFill>
+                <a:latin typeface="Menlo" panose="020B0609030804020204" pitchFamily="49" charset="0"/>
+              </a:rPr>
+              <a:t>0</a:t>
+            </a:r>
+            <a:r>
+              <a:rPr lang="en-US" sz="2400" dirty="0">
+                <a:solidFill>
+                  <a:srgbClr val="000000"/>
+                </a:solidFill>
+                <a:latin typeface="Menlo" panose="020B0609030804020204" pitchFamily="49" charset="0"/>
+              </a:rPr>
+              <a:t>;</a:t>
+            </a:r>
+            <a:endParaRPr lang="en-US" sz="2400" dirty="0">
+              <a:solidFill>
+                <a:srgbClr val="C1651C"/>
+              </a:solidFill>
+              <a:latin typeface="Menlo" panose="020B0609030804020204" pitchFamily="49" charset="0"/>
+            </a:endParaRPr>
+          </a:p>
+          <a:p>
+            <a:pPr marL="0" indent="0">
+              <a:buNone/>
+            </a:pPr>
+            <a:r>
+              <a:rPr lang="en-US" sz="2400" dirty="0">
+                <a:solidFill>
+                  <a:srgbClr val="000000"/>
+                </a:solidFill>
+                <a:latin typeface="Menlo" panose="020B0609030804020204" pitchFamily="49" charset="0"/>
+              </a:rPr>
+              <a:t>}</a:t>
             </a:r>
           </a:p>
           <a:p>
             <a:pPr eaLnBrk="1" hangingPunct="1"/>
             <a:endParaRPr lang="en-US" altLang="en-US" sz="2400" dirty="0"/>
-          </a:p>
-          <a:p>
-            <a:pPr marL="0" indent="0" eaLnBrk="1" hangingPunct="1">
-              <a:buNone/>
-            </a:pPr>
-            <a:r>
-              <a:rPr lang="en-US" sz="2400" dirty="0">
-                <a:solidFill>
-                  <a:srgbClr val="3C3C3C"/>
-                </a:solidFill>
-                <a:latin typeface="Courier New" panose="02070309020205020404" pitchFamily="49" charset="0"/>
-                <a:cs typeface="Courier New" panose="02070309020205020404" pitchFamily="49" charset="0"/>
-              </a:rPr>
-              <a:t>#include &lt;</a:t>
-            </a:r>
-            <a:r>
-              <a:rPr lang="en-US" sz="2400" dirty="0" err="1">
-                <a:solidFill>
-                  <a:srgbClr val="3C3C3C"/>
-                </a:solidFill>
-                <a:latin typeface="Courier New" panose="02070309020205020404" pitchFamily="49" charset="0"/>
-                <a:cs typeface="Courier New" panose="02070309020205020404" pitchFamily="49" charset="0"/>
-              </a:rPr>
-              <a:t>iostream</a:t>
-            </a:r>
-            <a:r>
-              <a:rPr lang="en-US" sz="2400" dirty="0">
-                <a:solidFill>
-                  <a:srgbClr val="3C3C3C"/>
-                </a:solidFill>
-                <a:latin typeface="Courier New" panose="02070309020205020404" pitchFamily="49" charset="0"/>
-                <a:cs typeface="Courier New" panose="02070309020205020404" pitchFamily="49" charset="0"/>
-              </a:rPr>
-              <a:t>&gt;</a:t>
-            </a:r>
-          </a:p>
-          <a:p>
-            <a:pPr marL="0" indent="0" eaLnBrk="1" hangingPunct="1">
-              <a:buNone/>
-            </a:pPr>
-            <a:r>
-              <a:rPr lang="en-US" sz="2400" dirty="0">
-                <a:latin typeface="Courier New" panose="02070309020205020404" pitchFamily="49" charset="0"/>
-                <a:cs typeface="Courier New" panose="02070309020205020404" pitchFamily="49" charset="0"/>
-              </a:rPr>
-              <a:t>using namespace </a:t>
-            </a:r>
-            <a:r>
-              <a:rPr lang="en-US" sz="2400" dirty="0" err="1">
-                <a:latin typeface="Courier New" panose="02070309020205020404" pitchFamily="49" charset="0"/>
-                <a:cs typeface="Courier New" panose="02070309020205020404" pitchFamily="49" charset="0"/>
-              </a:rPr>
-              <a:t>std</a:t>
-            </a:r>
-            <a:r>
-              <a:rPr lang="en-US" sz="2400" dirty="0">
-                <a:latin typeface="Courier New" panose="02070309020205020404" pitchFamily="49" charset="0"/>
-                <a:cs typeface="Courier New" panose="02070309020205020404" pitchFamily="49" charset="0"/>
-              </a:rPr>
-              <a:t>; </a:t>
-            </a:r>
-          </a:p>
-          <a:p>
-            <a:pPr marL="0" indent="0" eaLnBrk="1" hangingPunct="1">
-              <a:buNone/>
-            </a:pPr>
-            <a:r>
-              <a:rPr lang="en-US" sz="2400" dirty="0" err="1">
-                <a:latin typeface="Courier New" panose="02070309020205020404" pitchFamily="49" charset="0"/>
-                <a:cs typeface="Courier New" panose="02070309020205020404" pitchFamily="49" charset="0"/>
-              </a:rPr>
-              <a:t>int</a:t>
-            </a:r>
-            <a:r>
-              <a:rPr lang="en-US" sz="2400" dirty="0">
-                <a:latin typeface="Courier New" panose="02070309020205020404" pitchFamily="49" charset="0"/>
-                <a:cs typeface="Courier New" panose="02070309020205020404" pitchFamily="49" charset="0"/>
-              </a:rPr>
-              <a:t> main() </a:t>
-            </a:r>
-          </a:p>
-          <a:p>
-            <a:pPr marL="0" indent="0" eaLnBrk="1" hangingPunct="1">
-              <a:buNone/>
-            </a:pPr>
-            <a:r>
-              <a:rPr lang="en-US" sz="2400" dirty="0">
-                <a:latin typeface="Courier New" panose="02070309020205020404" pitchFamily="49" charset="0"/>
-                <a:cs typeface="Courier New" panose="02070309020205020404" pitchFamily="49" charset="0"/>
-              </a:rPr>
-              <a:t>{</a:t>
-            </a:r>
-          </a:p>
-          <a:p>
-            <a:pPr marL="0" indent="0" eaLnBrk="1" hangingPunct="1">
-              <a:buNone/>
-            </a:pPr>
-            <a:r>
-              <a:rPr lang="en-US" sz="2400" dirty="0">
-                <a:latin typeface="Courier New" panose="02070309020205020404" pitchFamily="49" charset="0"/>
-                <a:cs typeface="Courier New" panose="02070309020205020404" pitchFamily="49" charset="0"/>
-              </a:rPr>
-              <a:t>  </a:t>
-            </a:r>
-            <a:r>
-              <a:rPr lang="en-US" sz="2400" dirty="0" err="1">
-                <a:latin typeface="Courier New" panose="02070309020205020404" pitchFamily="49" charset="0"/>
-                <a:cs typeface="Courier New" panose="02070309020205020404" pitchFamily="49" charset="0"/>
-              </a:rPr>
-              <a:t>cout</a:t>
-            </a:r>
-            <a:r>
-              <a:rPr lang="en-US" sz="2400" dirty="0">
-                <a:latin typeface="Courier New" panose="02070309020205020404" pitchFamily="49" charset="0"/>
-                <a:cs typeface="Courier New" panose="02070309020205020404" pitchFamily="49" charset="0"/>
-              </a:rPr>
-              <a:t> &lt;&lt; "Hello, World!" &lt;&lt; </a:t>
-            </a:r>
-            <a:r>
-              <a:rPr lang="en-US" sz="2400" dirty="0" err="1">
-                <a:latin typeface="Courier New" panose="02070309020205020404" pitchFamily="49" charset="0"/>
-                <a:cs typeface="Courier New" panose="02070309020205020404" pitchFamily="49" charset="0"/>
-              </a:rPr>
-              <a:t>endl</a:t>
-            </a:r>
-            <a:r>
-              <a:rPr lang="en-US" sz="2400" dirty="0">
-                <a:latin typeface="Courier New" panose="02070309020205020404" pitchFamily="49" charset="0"/>
-                <a:cs typeface="Courier New" panose="02070309020205020404" pitchFamily="49" charset="0"/>
-              </a:rPr>
-              <a:t>;</a:t>
-            </a:r>
-          </a:p>
-          <a:p>
-            <a:pPr marL="0" indent="0" eaLnBrk="1" hangingPunct="1">
-              <a:buNone/>
-            </a:pPr>
-            <a:r>
-              <a:rPr lang="en-US" sz="2400" dirty="0">
-                <a:latin typeface="Courier New" panose="02070309020205020404" pitchFamily="49" charset="0"/>
-                <a:cs typeface="Courier New" panose="02070309020205020404" pitchFamily="49" charset="0"/>
-              </a:rPr>
-              <a:t>  return 0;</a:t>
-            </a:r>
-          </a:p>
-          <a:p>
-            <a:pPr marL="0" indent="0" eaLnBrk="1" hangingPunct="1">
-              <a:buNone/>
-            </a:pPr>
-            <a:r>
-              <a:rPr lang="en-US" sz="2400" dirty="0">
-                <a:latin typeface="Courier New" panose="02070309020205020404" pitchFamily="49" charset="0"/>
-                <a:cs typeface="Courier New" panose="02070309020205020404" pitchFamily="49" charset="0"/>
-              </a:rPr>
-              <a:t>}</a:t>
-            </a:r>
-            <a:endParaRPr lang="en-US" altLang="en-US" sz="2400" dirty="0">
-              <a:latin typeface="Courier New" panose="02070309020205020404" pitchFamily="49" charset="0"/>
-              <a:cs typeface="Courier New" panose="02070309020205020404" pitchFamily="49" charset="0"/>
-            </a:endParaRPr>
           </a:p>
         </p:txBody>
       </p:sp>
@@ -5419,7 +5587,7 @@
         </p:nvSpPr>
         <p:spPr bwMode="auto">
           <a:xfrm>
-            <a:off x="6256338" y="2787650"/>
+            <a:off x="5612871" y="2398183"/>
             <a:ext cx="2438400" cy="406400"/>
           </a:xfrm>
           <a:prstGeom prst="rect">
@@ -5560,11 +5728,20 @@
               </a:spcBef>
             </a:pPr>
             <a:r>
-              <a:rPr lang="en-US" altLang="en-US" b="0" i="0">
+              <a:rPr lang="en-US" altLang="en-US" b="0" i="0" dirty="0">
                 <a:latin typeface="+mn-lt"/>
               </a:rPr>
-              <a:t>ch01/hello.cpp</a:t>
-            </a:r>
+              <a:t>ch01/</a:t>
+            </a:r>
+            <a:r>
+              <a:rPr lang="en-US" altLang="en-US" b="0" i="0" dirty="0" err="1">
+                <a:latin typeface="+mn-lt"/>
+              </a:rPr>
+              <a:t>hello.cpp</a:t>
+            </a:r>
+            <a:endParaRPr lang="en-US" altLang="en-US" b="0" i="0" dirty="0">
+              <a:latin typeface="+mn-lt"/>
+            </a:endParaRPr>
           </a:p>
         </p:txBody>
       </p:sp>
@@ -6047,155 +6224,260 @@
           </a:bodyPr>
           <a:lstStyle/>
           <a:p>
+            <a:pPr marL="0" indent="0">
+              <a:buNone/>
+            </a:pPr>
+            <a:r>
+              <a:rPr lang="en-US" sz="2400" b="0" i="0" dirty="0">
+                <a:solidFill>
+                  <a:srgbClr val="C814C9"/>
+                </a:solidFill>
+                <a:highlight>
+                  <a:srgbClr val="FFFF00"/>
+                </a:highlight>
+                <a:latin typeface="Menlo" panose="020B0609030804020204" pitchFamily="49" charset="0"/>
+              </a:rPr>
+              <a:t>#include </a:t>
+            </a:r>
+            <a:r>
+              <a:rPr lang="en-US" sz="2400" b="0" i="0" dirty="0">
+                <a:solidFill>
+                  <a:srgbClr val="B42419"/>
+                </a:solidFill>
+                <a:highlight>
+                  <a:srgbClr val="FFFF00"/>
+                </a:highlight>
+                <a:latin typeface="Menlo" panose="020B0609030804020204" pitchFamily="49" charset="0"/>
+              </a:rPr>
+              <a:t>&lt;iostream&gt;</a:t>
+            </a:r>
+          </a:p>
+          <a:p>
+            <a:pPr marL="0" indent="0">
+              <a:buNone/>
+            </a:pPr>
+            <a:r>
+              <a:rPr lang="en-US" sz="2400" b="0" i="0" dirty="0">
+                <a:solidFill>
+                  <a:srgbClr val="C1651C"/>
+                </a:solidFill>
+                <a:latin typeface="Menlo" panose="020B0609030804020204" pitchFamily="49" charset="0"/>
+              </a:rPr>
+              <a:t>using</a:t>
+            </a:r>
+            <a:r>
+              <a:rPr lang="en-US" sz="2400" b="0" i="0" dirty="0">
+                <a:solidFill>
+                  <a:srgbClr val="000000"/>
+                </a:solidFill>
+                <a:latin typeface="Menlo" panose="020B0609030804020204" pitchFamily="49" charset="0"/>
+              </a:rPr>
+              <a:t> </a:t>
+            </a:r>
+            <a:r>
+              <a:rPr lang="en-US" sz="2400" b="0" i="0" dirty="0">
+                <a:solidFill>
+                  <a:srgbClr val="2FB41D"/>
+                </a:solidFill>
+                <a:latin typeface="Menlo" panose="020B0609030804020204" pitchFamily="49" charset="0"/>
+              </a:rPr>
+              <a:t>namespace</a:t>
+            </a:r>
+            <a:r>
+              <a:rPr lang="en-US" sz="2400" b="0" i="0" dirty="0">
+                <a:solidFill>
+                  <a:srgbClr val="000000"/>
+                </a:solidFill>
+                <a:latin typeface="Menlo" panose="020B0609030804020204" pitchFamily="49" charset="0"/>
+              </a:rPr>
+              <a:t> std;</a:t>
+            </a:r>
+            <a:endParaRPr lang="en-US" sz="2400" b="0" i="0" dirty="0">
+              <a:solidFill>
+                <a:srgbClr val="2FB41D"/>
+              </a:solidFill>
+              <a:latin typeface="Menlo" panose="020B0609030804020204" pitchFamily="49" charset="0"/>
+            </a:endParaRPr>
+          </a:p>
+          <a:p>
+            <a:pPr marL="0" indent="0">
+              <a:buNone/>
+            </a:pPr>
+            <a:r>
+              <a:rPr lang="en-US" sz="2400" b="0" i="0" dirty="0">
+                <a:solidFill>
+                  <a:srgbClr val="2FB41D"/>
+                </a:solidFill>
+                <a:latin typeface="Menlo" panose="020B0609030804020204" pitchFamily="49" charset="0"/>
+              </a:rPr>
+              <a:t>int</a:t>
+            </a:r>
+            <a:r>
+              <a:rPr lang="en-US" sz="2400" b="0" i="0" dirty="0">
+                <a:solidFill>
+                  <a:srgbClr val="000000"/>
+                </a:solidFill>
+                <a:latin typeface="Menlo" panose="020B0609030804020204" pitchFamily="49" charset="0"/>
+              </a:rPr>
+              <a:t> main()</a:t>
+            </a:r>
+          </a:p>
+          <a:p>
+            <a:pPr marL="0" indent="0">
+              <a:buNone/>
+            </a:pPr>
+            <a:r>
+              <a:rPr lang="en-US" sz="2400" b="0" i="0" dirty="0">
+                <a:solidFill>
+                  <a:srgbClr val="000000"/>
+                </a:solidFill>
+                <a:latin typeface="Menlo" panose="020B0609030804020204" pitchFamily="49" charset="0"/>
+              </a:rPr>
+              <a:t>{</a:t>
+            </a:r>
+          </a:p>
+          <a:p>
+            <a:pPr marL="0" indent="0">
+              <a:buNone/>
+            </a:pPr>
+            <a:r>
+              <a:rPr lang="en-US" sz="2400" b="0" i="0" dirty="0">
+                <a:solidFill>
+                  <a:srgbClr val="000000"/>
+                </a:solidFill>
+                <a:latin typeface="Menlo" panose="020B0609030804020204" pitchFamily="49" charset="0"/>
+              </a:rPr>
+              <a:t>  </a:t>
+            </a:r>
+            <a:r>
+              <a:rPr lang="en-US" sz="2400" b="0" i="0" dirty="0" err="1">
+                <a:solidFill>
+                  <a:srgbClr val="000000"/>
+                </a:solidFill>
+                <a:latin typeface="Menlo" panose="020B0609030804020204" pitchFamily="49" charset="0"/>
+              </a:rPr>
+              <a:t>cout</a:t>
+            </a:r>
+            <a:r>
+              <a:rPr lang="en-US" sz="2400" b="0" i="0" dirty="0">
+                <a:solidFill>
+                  <a:srgbClr val="000000"/>
+                </a:solidFill>
+                <a:latin typeface="Menlo" panose="020B0609030804020204" pitchFamily="49" charset="0"/>
+              </a:rPr>
+              <a:t> &lt;&lt; </a:t>
+            </a:r>
+            <a:r>
+              <a:rPr lang="en-US" sz="2400" b="0" i="0" dirty="0">
+                <a:solidFill>
+                  <a:srgbClr val="B42419"/>
+                </a:solidFill>
+                <a:latin typeface="Menlo" panose="020B0609030804020204" pitchFamily="49" charset="0"/>
+              </a:rPr>
+              <a:t>"Hello, World!"</a:t>
+            </a:r>
+            <a:r>
+              <a:rPr lang="en-US" sz="2400" b="0" i="0" dirty="0">
+                <a:solidFill>
+                  <a:srgbClr val="000000"/>
+                </a:solidFill>
+                <a:latin typeface="Menlo" panose="020B0609030804020204" pitchFamily="49" charset="0"/>
+              </a:rPr>
+              <a:t> &lt;&lt; </a:t>
+            </a:r>
+            <a:r>
+              <a:rPr lang="en-US" sz="2400" b="0" i="0" dirty="0" err="1">
+                <a:solidFill>
+                  <a:srgbClr val="000000"/>
+                </a:solidFill>
+                <a:latin typeface="Menlo" panose="020B0609030804020204" pitchFamily="49" charset="0"/>
+              </a:rPr>
+              <a:t>endl</a:t>
+            </a:r>
+            <a:r>
+              <a:rPr lang="en-US" sz="2400" b="0" i="0" dirty="0">
+                <a:solidFill>
+                  <a:srgbClr val="000000"/>
+                </a:solidFill>
+                <a:latin typeface="Menlo" panose="020B0609030804020204" pitchFamily="49" charset="0"/>
+              </a:rPr>
+              <a:t>;</a:t>
+            </a:r>
+          </a:p>
+          <a:p>
+            <a:pPr marL="0" indent="0">
+              <a:buNone/>
+            </a:pPr>
+            <a:r>
+              <a:rPr lang="en-US" sz="2400" b="0" i="0" dirty="0">
+                <a:solidFill>
+                  <a:srgbClr val="000000"/>
+                </a:solidFill>
+                <a:latin typeface="Menlo" panose="020B0609030804020204" pitchFamily="49" charset="0"/>
+              </a:rPr>
+              <a:t>  </a:t>
+            </a:r>
+            <a:r>
+              <a:rPr lang="en-US" sz="2400" b="0" i="0" dirty="0">
+                <a:solidFill>
+                  <a:srgbClr val="C1651C"/>
+                </a:solidFill>
+                <a:latin typeface="Menlo" panose="020B0609030804020204" pitchFamily="49" charset="0"/>
+              </a:rPr>
+              <a:t>return</a:t>
+            </a:r>
+            <a:r>
+              <a:rPr lang="en-US" sz="2400" b="0" i="0" dirty="0">
+                <a:solidFill>
+                  <a:srgbClr val="000000"/>
+                </a:solidFill>
+                <a:latin typeface="Menlo" panose="020B0609030804020204" pitchFamily="49" charset="0"/>
+              </a:rPr>
+              <a:t> </a:t>
+            </a:r>
+            <a:r>
+              <a:rPr lang="en-US" sz="2400" b="0" i="0" dirty="0">
+                <a:solidFill>
+                  <a:srgbClr val="B42419"/>
+                </a:solidFill>
+                <a:latin typeface="Menlo" panose="020B0609030804020204" pitchFamily="49" charset="0"/>
+              </a:rPr>
+              <a:t>0</a:t>
+            </a:r>
+            <a:r>
+              <a:rPr lang="en-US" sz="2400" b="0" i="0" dirty="0">
+                <a:solidFill>
+                  <a:srgbClr val="000000"/>
+                </a:solidFill>
+                <a:latin typeface="Menlo" panose="020B0609030804020204" pitchFamily="49" charset="0"/>
+              </a:rPr>
+              <a:t>;</a:t>
+            </a:r>
+            <a:endParaRPr lang="en-US" sz="2400" b="0" i="0" dirty="0">
+              <a:solidFill>
+                <a:srgbClr val="C1651C"/>
+              </a:solidFill>
+              <a:latin typeface="Menlo" panose="020B0609030804020204" pitchFamily="49" charset="0"/>
+            </a:endParaRPr>
+          </a:p>
+          <a:p>
+            <a:pPr marL="0" indent="0">
+              <a:buNone/>
+            </a:pPr>
+            <a:r>
+              <a:rPr lang="en-US" sz="2400" b="0" i="0" dirty="0">
+                <a:solidFill>
+                  <a:srgbClr val="000000"/>
+                </a:solidFill>
+                <a:latin typeface="Menlo" panose="020B0609030804020204" pitchFamily="49" charset="0"/>
+              </a:rPr>
+              <a:t>}</a:t>
+            </a:r>
+          </a:p>
+          <a:p>
             <a:pPr marL="0" indent="0" eaLnBrk="1" hangingPunct="1">
               <a:buNone/>
             </a:pPr>
-            <a:r>
-              <a:rPr lang="en-US" sz="2400" i="0" u="sng" dirty="0">
-                <a:solidFill>
-                  <a:srgbClr val="3C3C3C"/>
-                </a:solidFill>
-                <a:cs typeface="Courier New" panose="02070309020205020404" pitchFamily="49" charset="0"/>
-              </a:rPr>
-              <a:t>#include &lt;</a:t>
-            </a:r>
-            <a:r>
-              <a:rPr lang="en-US" sz="2400" i="0" u="sng" dirty="0" err="1">
-                <a:solidFill>
-                  <a:srgbClr val="3C3C3C"/>
-                </a:solidFill>
-                <a:cs typeface="Courier New" panose="02070309020205020404" pitchFamily="49" charset="0"/>
-              </a:rPr>
-              <a:t>iostream</a:t>
-            </a:r>
-            <a:r>
-              <a:rPr lang="en-US" sz="2400" i="0" u="sng" dirty="0">
-                <a:solidFill>
-                  <a:srgbClr val="3C3C3C"/>
-                </a:solidFill>
-                <a:cs typeface="Courier New" panose="02070309020205020404" pitchFamily="49" charset="0"/>
-              </a:rPr>
-              <a:t>&gt;</a:t>
-            </a:r>
-          </a:p>
-          <a:p>
-            <a:pPr marL="0" indent="0" eaLnBrk="1" hangingPunct="1">
-              <a:buNone/>
-            </a:pPr>
-            <a:endParaRPr lang="en-US" sz="2400" i="0" u="sng" dirty="0">
-              <a:solidFill>
-                <a:srgbClr val="3C3C3C"/>
-              </a:solidFill>
-              <a:cs typeface="Courier New" panose="02070309020205020404" pitchFamily="49" charset="0"/>
-            </a:endParaRPr>
-          </a:p>
-          <a:p>
-            <a:pPr marL="0" indent="0" eaLnBrk="1" hangingPunct="1">
-              <a:buNone/>
-            </a:pPr>
-            <a:r>
-              <a:rPr lang="en-US" sz="2400" i="0" dirty="0">
-                <a:cs typeface="Courier New" panose="02070309020205020404" pitchFamily="49" charset="0"/>
-              </a:rPr>
-              <a:t>using namespace </a:t>
-            </a:r>
-            <a:r>
-              <a:rPr lang="en-US" sz="2400" i="0" dirty="0" err="1">
-                <a:cs typeface="Courier New" panose="02070309020205020404" pitchFamily="49" charset="0"/>
-              </a:rPr>
-              <a:t>std</a:t>
-            </a:r>
-            <a:r>
-              <a:rPr lang="en-US" sz="2400" i="0" dirty="0">
-                <a:cs typeface="Courier New" panose="02070309020205020404" pitchFamily="49" charset="0"/>
-              </a:rPr>
-              <a:t>; </a:t>
-            </a:r>
-          </a:p>
-          <a:p>
-            <a:pPr marL="0" indent="0" eaLnBrk="1" hangingPunct="1">
-              <a:buNone/>
-            </a:pPr>
-            <a:r>
-              <a:rPr lang="en-US" sz="2400" i="0" dirty="0" err="1">
-                <a:cs typeface="Courier New" panose="02070309020205020404" pitchFamily="49" charset="0"/>
-              </a:rPr>
-              <a:t>int</a:t>
-            </a:r>
-            <a:r>
-              <a:rPr lang="en-US" sz="2400" i="0" dirty="0">
-                <a:cs typeface="Courier New" panose="02070309020205020404" pitchFamily="49" charset="0"/>
-              </a:rPr>
-              <a:t> main() </a:t>
-            </a:r>
-          </a:p>
-          <a:p>
-            <a:pPr marL="0" indent="0" eaLnBrk="1" hangingPunct="1">
-              <a:buNone/>
-            </a:pPr>
-            <a:r>
-              <a:rPr lang="en-US" sz="2400" i="0" dirty="0">
-                <a:cs typeface="Courier New" panose="02070309020205020404" pitchFamily="49" charset="0"/>
-              </a:rPr>
-              <a:t>{</a:t>
-            </a:r>
-          </a:p>
-          <a:p>
-            <a:pPr marL="0" indent="0" eaLnBrk="1" hangingPunct="1">
-              <a:buNone/>
-            </a:pPr>
-            <a:r>
-              <a:rPr lang="en-US" sz="2400" i="0" dirty="0">
-                <a:cs typeface="Courier New" panose="02070309020205020404" pitchFamily="49" charset="0"/>
-              </a:rPr>
-              <a:t>  </a:t>
-            </a:r>
-            <a:r>
-              <a:rPr lang="en-US" sz="2400" i="0" dirty="0" err="1">
-                <a:cs typeface="Courier New" panose="02070309020205020404" pitchFamily="49" charset="0"/>
-              </a:rPr>
-              <a:t>cout</a:t>
-            </a:r>
-            <a:r>
-              <a:rPr lang="en-US" sz="2400" i="0" dirty="0">
-                <a:cs typeface="Courier New" panose="02070309020205020404" pitchFamily="49" charset="0"/>
-              </a:rPr>
-              <a:t> &lt;&lt; "Hello, World!" &lt;&lt; </a:t>
-            </a:r>
-            <a:r>
-              <a:rPr lang="en-US" sz="2400" i="0" dirty="0" err="1">
-                <a:cs typeface="Courier New" panose="02070309020205020404" pitchFamily="49" charset="0"/>
-              </a:rPr>
-              <a:t>endl</a:t>
-            </a:r>
-            <a:r>
-              <a:rPr lang="en-US" sz="2400" i="0" dirty="0">
-                <a:cs typeface="Courier New" panose="02070309020205020404" pitchFamily="49" charset="0"/>
-              </a:rPr>
-              <a:t>;</a:t>
-            </a:r>
-          </a:p>
-          <a:p>
-            <a:pPr marL="0" indent="0" eaLnBrk="1" hangingPunct="1">
-              <a:buNone/>
-            </a:pPr>
-            <a:r>
-              <a:rPr lang="en-US" sz="2400" i="0" dirty="0">
-                <a:cs typeface="Courier New" panose="02070309020205020404" pitchFamily="49" charset="0"/>
-              </a:rPr>
-              <a:t>  return 0;</a:t>
-            </a:r>
-          </a:p>
-          <a:p>
-            <a:pPr marL="0" indent="0" eaLnBrk="1" hangingPunct="1">
-              <a:buNone/>
-            </a:pPr>
-            <a:r>
-              <a:rPr lang="en-US" sz="2400" i="0" dirty="0">
-                <a:cs typeface="Courier New" panose="02070309020205020404" pitchFamily="49" charset="0"/>
-              </a:rPr>
-              <a:t>}</a:t>
-            </a:r>
             <a:endParaRPr lang="en-US" altLang="en-US" sz="2400" i="0" dirty="0">
               <a:cs typeface="Courier New" panose="02070309020205020404" pitchFamily="49" charset="0"/>
             </a:endParaRPr>
@@ -6514,7 +6796,7 @@
         <p:spPr>
           <a:xfrm>
             <a:off x="1258710" y="2679483"/>
-            <a:ext cx="7083779" cy="3416320"/>
+            <a:ext cx="7083779" cy="2677656"/>
           </a:xfrm>
           <a:prstGeom prst="rect">
             <a:avLst/>
@@ -6526,163 +6808,264 @@
           </a:bodyPr>
           <a:lstStyle/>
           <a:p>
-            <a:pPr marL="0" indent="0" eaLnBrk="1" hangingPunct="1">
+            <a:pPr marL="0" indent="0">
               <a:buNone/>
             </a:pPr>
             <a:r>
-              <a:rPr lang="en-US" sz="2400" i="0" dirty="0">
-                <a:solidFill>
-                  <a:srgbClr val="3C3C3C"/>
-                </a:solidFill>
-                <a:cs typeface="Courier New" panose="02070309020205020404" pitchFamily="49" charset="0"/>
-              </a:rPr>
-              <a:t>#include &lt;</a:t>
-            </a:r>
-            <a:r>
-              <a:rPr lang="en-US" sz="2400" i="0" dirty="0" err="1">
-                <a:solidFill>
-                  <a:srgbClr val="3C3C3C"/>
-                </a:solidFill>
-                <a:cs typeface="Courier New" panose="02070309020205020404" pitchFamily="49" charset="0"/>
-              </a:rPr>
-              <a:t>iostream</a:t>
-            </a:r>
-            <a:r>
-              <a:rPr lang="en-US" sz="2400" i="0" dirty="0">
-                <a:solidFill>
-                  <a:srgbClr val="3C3C3C"/>
-                </a:solidFill>
-                <a:cs typeface="Courier New" panose="02070309020205020404" pitchFamily="49" charset="0"/>
-              </a:rPr>
-              <a:t>&gt;</a:t>
-            </a:r>
-          </a:p>
-          <a:p>
-            <a:pPr marL="0" indent="0" eaLnBrk="1" hangingPunct="1">
+              <a:rPr lang="en-US" sz="2400" b="0" i="0" dirty="0">
+                <a:solidFill>
+                  <a:srgbClr val="C814C9"/>
+                </a:solidFill>
+                <a:latin typeface="Menlo" panose="020B0609030804020204" pitchFamily="49" charset="0"/>
+              </a:rPr>
+              <a:t>#include </a:t>
+            </a:r>
+            <a:r>
+              <a:rPr lang="en-US" sz="2400" b="0" i="0" dirty="0">
+                <a:solidFill>
+                  <a:srgbClr val="B42419"/>
+                </a:solidFill>
+                <a:latin typeface="Menlo" panose="020B0609030804020204" pitchFamily="49" charset="0"/>
+              </a:rPr>
+              <a:t>&lt;iostream&gt;</a:t>
+            </a:r>
+          </a:p>
+          <a:p>
+            <a:pPr marL="0" indent="0">
               <a:buNone/>
             </a:pPr>
-            <a:endParaRPr lang="en-US" sz="2400" i="0" u="sng" dirty="0">
-              <a:cs typeface="Courier New" panose="02070309020205020404" pitchFamily="49" charset="0"/>
+            <a:r>
+              <a:rPr lang="en-US" sz="2400" b="0" i="0" dirty="0">
+                <a:solidFill>
+                  <a:srgbClr val="C1651C"/>
+                </a:solidFill>
+                <a:highlight>
+                  <a:srgbClr val="FFFF00"/>
+                </a:highlight>
+                <a:latin typeface="Menlo" panose="020B0609030804020204" pitchFamily="49" charset="0"/>
+              </a:rPr>
+              <a:t>using</a:t>
+            </a:r>
+            <a:r>
+              <a:rPr lang="en-US" sz="2400" b="0" i="0" dirty="0">
+                <a:solidFill>
+                  <a:srgbClr val="000000"/>
+                </a:solidFill>
+                <a:highlight>
+                  <a:srgbClr val="FFFF00"/>
+                </a:highlight>
+                <a:latin typeface="Menlo" panose="020B0609030804020204" pitchFamily="49" charset="0"/>
+              </a:rPr>
+              <a:t> </a:t>
+            </a:r>
+            <a:r>
+              <a:rPr lang="en-US" sz="2400" b="0" i="0" dirty="0">
+                <a:solidFill>
+                  <a:srgbClr val="2FB41D"/>
+                </a:solidFill>
+                <a:highlight>
+                  <a:srgbClr val="FFFF00"/>
+                </a:highlight>
+                <a:latin typeface="Menlo" panose="020B0609030804020204" pitchFamily="49" charset="0"/>
+              </a:rPr>
+              <a:t>namespace</a:t>
+            </a:r>
+            <a:r>
+              <a:rPr lang="en-US" sz="2400" b="0" i="0" dirty="0">
+                <a:solidFill>
+                  <a:srgbClr val="000000"/>
+                </a:solidFill>
+                <a:highlight>
+                  <a:srgbClr val="FFFF00"/>
+                </a:highlight>
+                <a:latin typeface="Menlo" panose="020B0609030804020204" pitchFamily="49" charset="0"/>
+              </a:rPr>
+              <a:t> std;</a:t>
+            </a:r>
+            <a:endParaRPr lang="en-US" sz="2400" b="0" i="0" dirty="0">
+              <a:solidFill>
+                <a:srgbClr val="2FB41D"/>
+              </a:solidFill>
+              <a:highlight>
+                <a:srgbClr val="FFFF00"/>
+              </a:highlight>
+              <a:latin typeface="Menlo" panose="020B0609030804020204" pitchFamily="49" charset="0"/>
             </a:endParaRPr>
           </a:p>
           <a:p>
-            <a:pPr marL="0" indent="0" eaLnBrk="1" hangingPunct="1">
+            <a:pPr marL="0" indent="0">
               <a:buNone/>
             </a:pPr>
             <a:r>
-              <a:rPr lang="en-US" sz="2400" i="0" u="sng" dirty="0">
-                <a:cs typeface="Courier New" panose="02070309020205020404" pitchFamily="49" charset="0"/>
-              </a:rPr>
-              <a:t>using namespace </a:t>
-            </a:r>
-            <a:r>
-              <a:rPr lang="en-US" sz="2400" i="0" u="sng" dirty="0" err="1">
-                <a:cs typeface="Courier New" panose="02070309020205020404" pitchFamily="49" charset="0"/>
-              </a:rPr>
-              <a:t>std</a:t>
-            </a:r>
-            <a:r>
-              <a:rPr lang="en-US" sz="2400" i="0" u="sng" dirty="0">
-                <a:cs typeface="Courier New" panose="02070309020205020404" pitchFamily="49" charset="0"/>
-              </a:rPr>
-              <a:t>; </a:t>
-            </a:r>
-          </a:p>
-          <a:p>
-            <a:pPr marL="0" indent="0" eaLnBrk="1" hangingPunct="1">
+              <a:rPr lang="en-US" sz="2400" b="0" i="0" dirty="0">
+                <a:solidFill>
+                  <a:srgbClr val="2FB41D"/>
+                </a:solidFill>
+                <a:latin typeface="Menlo" panose="020B0609030804020204" pitchFamily="49" charset="0"/>
+              </a:rPr>
+              <a:t>int</a:t>
+            </a:r>
+            <a:r>
+              <a:rPr lang="en-US" sz="2400" b="0" i="0" dirty="0">
+                <a:solidFill>
+                  <a:srgbClr val="000000"/>
+                </a:solidFill>
+                <a:latin typeface="Menlo" panose="020B0609030804020204" pitchFamily="49" charset="0"/>
+              </a:rPr>
+              <a:t> main()</a:t>
+            </a:r>
+          </a:p>
+          <a:p>
+            <a:pPr marL="0" indent="0">
               <a:buNone/>
             </a:pPr>
-            <a:endParaRPr lang="en-US" sz="2400" i="0" dirty="0">
-              <a:cs typeface="Courier New" panose="02070309020205020404" pitchFamily="49" charset="0"/>
+            <a:r>
+              <a:rPr lang="en-US" sz="2400" b="0" i="0" dirty="0">
+                <a:solidFill>
+                  <a:srgbClr val="000000"/>
+                </a:solidFill>
+                <a:latin typeface="Menlo" panose="020B0609030804020204" pitchFamily="49" charset="0"/>
+              </a:rPr>
+              <a:t>{</a:t>
+            </a:r>
+          </a:p>
+          <a:p>
+            <a:pPr marL="0" indent="0">
+              <a:buNone/>
+            </a:pPr>
+            <a:r>
+              <a:rPr lang="en-US" sz="2400" b="0" i="0" dirty="0">
+                <a:solidFill>
+                  <a:srgbClr val="000000"/>
+                </a:solidFill>
+                <a:latin typeface="Menlo" panose="020B0609030804020204" pitchFamily="49" charset="0"/>
+              </a:rPr>
+              <a:t>  </a:t>
+            </a:r>
+            <a:r>
+              <a:rPr lang="en-US" sz="2400" b="0" i="0" dirty="0" err="1">
+                <a:solidFill>
+                  <a:srgbClr val="000000"/>
+                </a:solidFill>
+                <a:latin typeface="Menlo" panose="020B0609030804020204" pitchFamily="49" charset="0"/>
+              </a:rPr>
+              <a:t>cout</a:t>
+            </a:r>
+            <a:r>
+              <a:rPr lang="en-US" sz="2400" b="0" i="0" dirty="0">
+                <a:solidFill>
+                  <a:srgbClr val="000000"/>
+                </a:solidFill>
+                <a:latin typeface="Menlo" panose="020B0609030804020204" pitchFamily="49" charset="0"/>
+              </a:rPr>
+              <a:t> &lt;&lt; </a:t>
+            </a:r>
+            <a:r>
+              <a:rPr lang="en-US" sz="2400" b="0" i="0" dirty="0">
+                <a:solidFill>
+                  <a:srgbClr val="B42419"/>
+                </a:solidFill>
+                <a:latin typeface="Menlo" panose="020B0609030804020204" pitchFamily="49" charset="0"/>
+              </a:rPr>
+              <a:t>"Hello, World!"</a:t>
+            </a:r>
+            <a:r>
+              <a:rPr lang="en-US" sz="2400" b="0" i="0" dirty="0">
+                <a:solidFill>
+                  <a:srgbClr val="000000"/>
+                </a:solidFill>
+                <a:latin typeface="Menlo" panose="020B0609030804020204" pitchFamily="49" charset="0"/>
+              </a:rPr>
+              <a:t> &lt;&lt; </a:t>
+            </a:r>
+            <a:r>
+              <a:rPr lang="en-US" sz="2400" b="0" i="0" dirty="0" err="1">
+                <a:solidFill>
+                  <a:srgbClr val="000000"/>
+                </a:solidFill>
+                <a:latin typeface="Menlo" panose="020B0609030804020204" pitchFamily="49" charset="0"/>
+              </a:rPr>
+              <a:t>endl</a:t>
+            </a:r>
+            <a:r>
+              <a:rPr lang="en-US" sz="2400" b="0" i="0" dirty="0">
+                <a:solidFill>
+                  <a:srgbClr val="000000"/>
+                </a:solidFill>
+                <a:latin typeface="Menlo" panose="020B0609030804020204" pitchFamily="49" charset="0"/>
+              </a:rPr>
+              <a:t>;</a:t>
+            </a:r>
+          </a:p>
+          <a:p>
+            <a:pPr marL="0" indent="0">
+              <a:buNone/>
+            </a:pPr>
+            <a:r>
+              <a:rPr lang="en-US" sz="2400" b="0" i="0" dirty="0">
+                <a:solidFill>
+                  <a:srgbClr val="000000"/>
+                </a:solidFill>
+                <a:latin typeface="Menlo" panose="020B0609030804020204" pitchFamily="49" charset="0"/>
+              </a:rPr>
+              <a:t>  </a:t>
+            </a:r>
+            <a:r>
+              <a:rPr lang="en-US" sz="2400" b="0" i="0" dirty="0">
+                <a:solidFill>
+                  <a:srgbClr val="C1651C"/>
+                </a:solidFill>
+                <a:latin typeface="Menlo" panose="020B0609030804020204" pitchFamily="49" charset="0"/>
+              </a:rPr>
+              <a:t>return</a:t>
+            </a:r>
+            <a:r>
+              <a:rPr lang="en-US" sz="2400" b="0" i="0" dirty="0">
+                <a:solidFill>
+                  <a:srgbClr val="000000"/>
+                </a:solidFill>
+                <a:latin typeface="Menlo" panose="020B0609030804020204" pitchFamily="49" charset="0"/>
+              </a:rPr>
+              <a:t> </a:t>
+            </a:r>
+            <a:r>
+              <a:rPr lang="en-US" sz="2400" b="0" i="0" dirty="0">
+                <a:solidFill>
+                  <a:srgbClr val="B42419"/>
+                </a:solidFill>
+                <a:latin typeface="Menlo" panose="020B0609030804020204" pitchFamily="49" charset="0"/>
+              </a:rPr>
+              <a:t>0</a:t>
+            </a:r>
+            <a:r>
+              <a:rPr lang="en-US" sz="2400" b="0" i="0" dirty="0">
+                <a:solidFill>
+                  <a:srgbClr val="000000"/>
+                </a:solidFill>
+                <a:latin typeface="Menlo" panose="020B0609030804020204" pitchFamily="49" charset="0"/>
+              </a:rPr>
+              <a:t>;</a:t>
+            </a:r>
+            <a:endParaRPr lang="en-US" sz="2400" b="0" i="0" dirty="0">
+              <a:solidFill>
+                <a:srgbClr val="C1651C"/>
+              </a:solidFill>
+              <a:latin typeface="Menlo" panose="020B0609030804020204" pitchFamily="49" charset="0"/>
             </a:endParaRPr>
           </a:p>
           <a:p>
-            <a:pPr marL="0" indent="0" eaLnBrk="1" hangingPunct="1">
+            <a:pPr marL="0" indent="0">
               <a:buNone/>
             </a:pPr>
             <a:r>
-              <a:rPr lang="en-US" sz="2400" i="0" dirty="0" err="1">
-                <a:cs typeface="Courier New" panose="02070309020205020404" pitchFamily="49" charset="0"/>
-              </a:rPr>
-              <a:t>int</a:t>
-            </a:r>
-            <a:r>
-              <a:rPr lang="en-US" sz="2400" i="0" dirty="0">
-                <a:cs typeface="Courier New" panose="02070309020205020404" pitchFamily="49" charset="0"/>
-              </a:rPr>
-              <a:t> main() </a:t>
-            </a:r>
-          </a:p>
-          <a:p>
-            <a:pPr marL="0" indent="0" eaLnBrk="1" hangingPunct="1">
-              <a:buNone/>
-            </a:pPr>
-            <a:r>
-              <a:rPr lang="en-US" sz="2400" i="0" dirty="0">
-                <a:cs typeface="Courier New" panose="02070309020205020404" pitchFamily="49" charset="0"/>
-              </a:rPr>
-              <a:t>{</a:t>
-            </a:r>
-          </a:p>
-          <a:p>
-            <a:pPr marL="0" indent="0" eaLnBrk="1" hangingPunct="1">
-              <a:buNone/>
-            </a:pPr>
-            <a:r>
-              <a:rPr lang="en-US" sz="2400" i="0" dirty="0">
-                <a:cs typeface="Courier New" panose="02070309020205020404" pitchFamily="49" charset="0"/>
-              </a:rPr>
-              <a:t>  </a:t>
-            </a:r>
-            <a:r>
-              <a:rPr lang="en-US" sz="2400" i="0" dirty="0" err="1">
-                <a:cs typeface="Courier New" panose="02070309020205020404" pitchFamily="49" charset="0"/>
-              </a:rPr>
-              <a:t>cout</a:t>
-            </a:r>
-            <a:r>
-              <a:rPr lang="en-US" sz="2400" i="0" dirty="0">
-                <a:cs typeface="Courier New" panose="02070309020205020404" pitchFamily="49" charset="0"/>
-              </a:rPr>
-              <a:t> &lt;&lt; "Hello, World!" &lt;&lt; </a:t>
-            </a:r>
-            <a:r>
-              <a:rPr lang="en-US" sz="2400" i="0" dirty="0" err="1">
-                <a:cs typeface="Courier New" panose="02070309020205020404" pitchFamily="49" charset="0"/>
-              </a:rPr>
-              <a:t>endl</a:t>
-            </a:r>
-            <a:r>
-              <a:rPr lang="en-US" sz="2400" i="0" dirty="0">
-                <a:cs typeface="Courier New" panose="02070309020205020404" pitchFamily="49" charset="0"/>
-              </a:rPr>
-              <a:t>;</a:t>
-            </a:r>
-          </a:p>
-          <a:p>
-            <a:pPr marL="0" indent="0" eaLnBrk="1" hangingPunct="1">
-              <a:buNone/>
-            </a:pPr>
-            <a:r>
-              <a:rPr lang="en-US" sz="2400" i="0" dirty="0">
-                <a:cs typeface="Courier New" panose="02070309020205020404" pitchFamily="49" charset="0"/>
-              </a:rPr>
-              <a:t>  return 0;</a:t>
-            </a:r>
-          </a:p>
-          <a:p>
-            <a:pPr marL="0" indent="0" eaLnBrk="1" hangingPunct="1">
-              <a:buNone/>
-            </a:pPr>
-            <a:r>
-              <a:rPr lang="en-US" sz="2400" i="0" dirty="0">
-                <a:cs typeface="Courier New" panose="02070309020205020404" pitchFamily="49" charset="0"/>
+              <a:rPr lang="en-US" sz="2400" b="0" i="0" dirty="0">
+                <a:solidFill>
+                  <a:srgbClr val="000000"/>
+                </a:solidFill>
+                <a:latin typeface="Menlo" panose="020B0609030804020204" pitchFamily="49" charset="0"/>
               </a:rPr>
               <a:t>}</a:t>
             </a:r>
-            <a:endParaRPr lang="en-US" altLang="en-US" sz="2400" i="0" dirty="0">
-              <a:cs typeface="Courier New" panose="02070309020205020404" pitchFamily="49" charset="0"/>
-            </a:endParaRPr>
           </a:p>
         </p:txBody>
       </p:sp>
@@ -7092,8 +7475,8 @@
         </p:nvSpPr>
         <p:spPr>
           <a:xfrm>
-            <a:off x="828632" y="3468112"/>
-            <a:ext cx="7083779" cy="3046988"/>
+            <a:off x="537944" y="3646944"/>
+            <a:ext cx="7083779" cy="2677656"/>
           </a:xfrm>
           <a:prstGeom prst="rect">
             <a:avLst/>
@@ -7105,157 +7488,397 @@
           </a:bodyPr>
           <a:lstStyle/>
           <a:p>
-            <a:pPr marL="0" indent="0" eaLnBrk="1" hangingPunct="1">
+            <a:pPr marL="0" indent="0">
               <a:buNone/>
             </a:pPr>
             <a:r>
-              <a:rPr lang="en-US" sz="2400" i="0" dirty="0">
-                <a:solidFill>
-                  <a:srgbClr val="3C3C3C"/>
-                </a:solidFill>
-                <a:cs typeface="Courier New" panose="02070309020205020404" pitchFamily="49" charset="0"/>
-              </a:rPr>
-              <a:t>#include &lt;</a:t>
-            </a:r>
-            <a:r>
-              <a:rPr lang="en-US" sz="2400" i="0" dirty="0" err="1">
-                <a:solidFill>
-                  <a:srgbClr val="3C3C3C"/>
-                </a:solidFill>
-                <a:cs typeface="Courier New" panose="02070309020205020404" pitchFamily="49" charset="0"/>
-              </a:rPr>
-              <a:t>iostream</a:t>
-            </a:r>
-            <a:r>
-              <a:rPr lang="en-US" sz="2400" i="0" dirty="0">
-                <a:solidFill>
-                  <a:srgbClr val="3C3C3C"/>
-                </a:solidFill>
-                <a:cs typeface="Courier New" panose="02070309020205020404" pitchFamily="49" charset="0"/>
-              </a:rPr>
-              <a:t>&gt;</a:t>
-            </a:r>
-          </a:p>
-          <a:p>
-            <a:pPr marL="0" indent="0" eaLnBrk="1" hangingPunct="1">
+              <a:rPr lang="en-US" sz="2400" b="0" i="0" dirty="0">
+                <a:solidFill>
+                  <a:srgbClr val="C814C9"/>
+                </a:solidFill>
+                <a:latin typeface="Menlo" panose="020B0609030804020204" pitchFamily="49" charset="0"/>
+              </a:rPr>
+              <a:t>#include </a:t>
+            </a:r>
+            <a:r>
+              <a:rPr lang="en-US" sz="2400" b="0" i="0" dirty="0">
+                <a:solidFill>
+                  <a:srgbClr val="B42419"/>
+                </a:solidFill>
+                <a:latin typeface="Menlo" panose="020B0609030804020204" pitchFamily="49" charset="0"/>
+              </a:rPr>
+              <a:t>&lt;iostream&gt;</a:t>
+            </a:r>
+          </a:p>
+          <a:p>
+            <a:pPr marL="0" indent="0">
               <a:buNone/>
             </a:pPr>
             <a:r>
-              <a:rPr lang="en-US" sz="2400" i="0" dirty="0">
-                <a:cs typeface="Courier New" panose="02070309020205020404" pitchFamily="49" charset="0"/>
-              </a:rPr>
-              <a:t>using namespace </a:t>
-            </a:r>
-            <a:r>
-              <a:rPr lang="en-US" sz="2400" i="0" dirty="0" err="1">
-                <a:cs typeface="Courier New" panose="02070309020205020404" pitchFamily="49" charset="0"/>
-              </a:rPr>
-              <a:t>std</a:t>
-            </a:r>
-            <a:r>
-              <a:rPr lang="en-US" sz="2400" i="0" dirty="0">
-                <a:cs typeface="Courier New" panose="02070309020205020404" pitchFamily="49" charset="0"/>
+              <a:rPr lang="en-US" sz="2400" b="0" i="0" dirty="0">
+                <a:solidFill>
+                  <a:srgbClr val="C1651C"/>
+                </a:solidFill>
+                <a:latin typeface="Menlo" panose="020B0609030804020204" pitchFamily="49" charset="0"/>
+              </a:rPr>
+              <a:t>using</a:t>
+            </a:r>
+            <a:r>
+              <a:rPr lang="en-US" sz="2400" b="0" i="0" dirty="0">
+                <a:solidFill>
+                  <a:srgbClr val="000000"/>
+                </a:solidFill>
+                <a:latin typeface="Menlo" panose="020B0609030804020204" pitchFamily="49" charset="0"/>
+              </a:rPr>
+              <a:t> </a:t>
+            </a:r>
+            <a:r>
+              <a:rPr lang="en-US" sz="2400" b="0" i="0" dirty="0">
+                <a:solidFill>
+                  <a:srgbClr val="2FB41D"/>
+                </a:solidFill>
+                <a:latin typeface="Menlo" panose="020B0609030804020204" pitchFamily="49" charset="0"/>
+              </a:rPr>
+              <a:t>namespace</a:t>
+            </a:r>
+            <a:r>
+              <a:rPr lang="en-US" sz="2400" b="0" i="0" dirty="0">
+                <a:solidFill>
+                  <a:srgbClr val="000000"/>
+                </a:solidFill>
+                <a:latin typeface="Menlo" panose="020B0609030804020204" pitchFamily="49" charset="0"/>
+              </a:rPr>
+              <a:t> std;</a:t>
+            </a:r>
+            <a:endParaRPr lang="en-US" sz="2400" b="0" i="0" dirty="0">
+              <a:solidFill>
+                <a:srgbClr val="2FB41D"/>
+              </a:solidFill>
+              <a:latin typeface="Menlo" panose="020B0609030804020204" pitchFamily="49" charset="0"/>
+            </a:endParaRPr>
+          </a:p>
+          <a:p>
+            <a:pPr marL="0" indent="0">
+              <a:buNone/>
+            </a:pPr>
+            <a:r>
+              <a:rPr lang="en-US" sz="2400" b="0" i="0" dirty="0">
+                <a:solidFill>
+                  <a:srgbClr val="2FB41D"/>
+                </a:solidFill>
+                <a:highlight>
+                  <a:srgbClr val="FFFF00"/>
+                </a:highlight>
+                <a:latin typeface="Menlo" panose="020B0609030804020204" pitchFamily="49" charset="0"/>
+              </a:rPr>
+              <a:t>int</a:t>
+            </a:r>
+            <a:r>
+              <a:rPr lang="en-US" sz="2400" b="0" i="0" dirty="0">
+                <a:solidFill>
+                  <a:srgbClr val="000000"/>
+                </a:solidFill>
+                <a:highlight>
+                  <a:srgbClr val="FFFF00"/>
+                </a:highlight>
+                <a:latin typeface="Menlo" panose="020B0609030804020204" pitchFamily="49" charset="0"/>
+              </a:rPr>
+              <a:t> main()</a:t>
+            </a:r>
+          </a:p>
+          <a:p>
+            <a:pPr marL="0" indent="0">
+              <a:buNone/>
+            </a:pPr>
+            <a:r>
+              <a:rPr lang="en-US" sz="2400" b="0" i="0" dirty="0">
+                <a:solidFill>
+                  <a:srgbClr val="000000"/>
+                </a:solidFill>
+                <a:latin typeface="Menlo" panose="020B0609030804020204" pitchFamily="49" charset="0"/>
+              </a:rPr>
+              <a:t>{</a:t>
+            </a:r>
+          </a:p>
+          <a:p>
+            <a:pPr marL="0" indent="0">
+              <a:buNone/>
+            </a:pPr>
+            <a:r>
+              <a:rPr lang="en-US" sz="2400" b="0" i="0" dirty="0">
+                <a:solidFill>
+                  <a:srgbClr val="000000"/>
+                </a:solidFill>
+                <a:latin typeface="Menlo" panose="020B0609030804020204" pitchFamily="49" charset="0"/>
+              </a:rPr>
+              <a:t>  </a:t>
+            </a:r>
+            <a:r>
+              <a:rPr lang="en-US" sz="2400" b="0" i="0" dirty="0" err="1">
+                <a:solidFill>
+                  <a:srgbClr val="000000"/>
+                </a:solidFill>
+                <a:latin typeface="Menlo" panose="020B0609030804020204" pitchFamily="49" charset="0"/>
+              </a:rPr>
+              <a:t>cout</a:t>
+            </a:r>
+            <a:r>
+              <a:rPr lang="en-US" sz="2400" b="0" i="0" dirty="0">
+                <a:solidFill>
+                  <a:srgbClr val="000000"/>
+                </a:solidFill>
+                <a:latin typeface="Menlo" panose="020B0609030804020204" pitchFamily="49" charset="0"/>
+              </a:rPr>
+              <a:t> &lt;&lt; </a:t>
+            </a:r>
+            <a:r>
+              <a:rPr lang="en-US" sz="2400" b="0" i="0" dirty="0">
+                <a:solidFill>
+                  <a:srgbClr val="B42419"/>
+                </a:solidFill>
+                <a:latin typeface="Menlo" panose="020B0609030804020204" pitchFamily="49" charset="0"/>
+              </a:rPr>
+              <a:t>"Hello, World!"</a:t>
+            </a:r>
+            <a:r>
+              <a:rPr lang="en-US" sz="2400" b="0" i="0" dirty="0">
+                <a:solidFill>
+                  <a:srgbClr val="000000"/>
+                </a:solidFill>
+                <a:latin typeface="Menlo" panose="020B0609030804020204" pitchFamily="49" charset="0"/>
+              </a:rPr>
+              <a:t> &lt;&lt; </a:t>
+            </a:r>
+            <a:r>
+              <a:rPr lang="en-US" sz="2400" b="0" i="0" dirty="0" err="1">
+                <a:solidFill>
+                  <a:srgbClr val="000000"/>
+                </a:solidFill>
+                <a:latin typeface="Menlo" panose="020B0609030804020204" pitchFamily="49" charset="0"/>
+              </a:rPr>
+              <a:t>endl</a:t>
+            </a:r>
+            <a:r>
+              <a:rPr lang="en-US" sz="2400" b="0" i="0" dirty="0">
+                <a:solidFill>
+                  <a:srgbClr val="000000"/>
+                </a:solidFill>
+                <a:latin typeface="Menlo" panose="020B0609030804020204" pitchFamily="49" charset="0"/>
               </a:rPr>
               <a:t>;</a:t>
             </a:r>
           </a:p>
           <a:p>
-            <a:pPr marL="0" indent="0" eaLnBrk="1" hangingPunct="1">
+            <a:pPr marL="0" indent="0">
               <a:buNone/>
             </a:pPr>
             <a:r>
-              <a:rPr lang="en-US" sz="2400" i="0" dirty="0">
-                <a:cs typeface="Courier New" panose="02070309020205020404" pitchFamily="49" charset="0"/>
+              <a:rPr lang="en-US" sz="2400" b="0" i="0" dirty="0">
+                <a:solidFill>
+                  <a:srgbClr val="000000"/>
+                </a:solidFill>
+                <a:latin typeface="Menlo" panose="020B0609030804020204" pitchFamily="49" charset="0"/>
+              </a:rPr>
+              <a:t>  </a:t>
+            </a:r>
+            <a:r>
+              <a:rPr lang="en-US" sz="2400" b="0" i="0" dirty="0">
+                <a:solidFill>
+                  <a:srgbClr val="C1651C"/>
+                </a:solidFill>
+                <a:latin typeface="Menlo" panose="020B0609030804020204" pitchFamily="49" charset="0"/>
+              </a:rPr>
+              <a:t>return</a:t>
+            </a:r>
+            <a:r>
+              <a:rPr lang="en-US" sz="2400" b="0" i="0" dirty="0">
+                <a:solidFill>
+                  <a:srgbClr val="000000"/>
+                </a:solidFill>
+                <a:latin typeface="Menlo" panose="020B0609030804020204" pitchFamily="49" charset="0"/>
               </a:rPr>
               <a:t> </a:t>
             </a:r>
-          </a:p>
-          <a:p>
-            <a:pPr marL="0" indent="0" eaLnBrk="1" hangingPunct="1">
+            <a:r>
+              <a:rPr lang="en-US" sz="2400" b="0" i="0" dirty="0">
+                <a:solidFill>
+                  <a:srgbClr val="B42419"/>
+                </a:solidFill>
+                <a:latin typeface="Menlo" panose="020B0609030804020204" pitchFamily="49" charset="0"/>
+              </a:rPr>
+              <a:t>0</a:t>
+            </a:r>
+            <a:r>
+              <a:rPr lang="en-US" sz="2400" b="0" i="0" dirty="0">
+                <a:solidFill>
+                  <a:srgbClr val="000000"/>
+                </a:solidFill>
+                <a:latin typeface="Menlo" panose="020B0609030804020204" pitchFamily="49" charset="0"/>
+              </a:rPr>
+              <a:t>;</a:t>
+            </a:r>
+            <a:endParaRPr lang="en-US" sz="2400" b="0" i="0" dirty="0">
+              <a:solidFill>
+                <a:srgbClr val="C1651C"/>
+              </a:solidFill>
+              <a:latin typeface="Menlo" panose="020B0609030804020204" pitchFamily="49" charset="0"/>
+            </a:endParaRPr>
+          </a:p>
+          <a:p>
+            <a:pPr marL="0" indent="0">
               <a:buNone/>
             </a:pPr>
             <a:r>
-              <a:rPr lang="en-US" sz="2400" i="0" u="sng" dirty="0" err="1">
-                <a:cs typeface="Courier New" panose="02070309020205020404" pitchFamily="49" charset="0"/>
-              </a:rPr>
-              <a:t>int</a:t>
-            </a:r>
-            <a:r>
-              <a:rPr lang="en-US" sz="2400" i="0" u="sng" dirty="0">
-                <a:cs typeface="Courier New" panose="02070309020205020404" pitchFamily="49" charset="0"/>
-              </a:rPr>
-              <a:t> main() </a:t>
-            </a:r>
-          </a:p>
-          <a:p>
-            <a:pPr marL="0" indent="0" eaLnBrk="1" hangingPunct="1">
-              <a:buNone/>
+              <a:rPr lang="en-US" sz="2400" b="0" i="0" dirty="0">
+                <a:solidFill>
+                  <a:srgbClr val="000000"/>
+                </a:solidFill>
+                <a:latin typeface="Menlo" panose="020B0609030804020204" pitchFamily="49" charset="0"/>
+              </a:rPr>
+              <a:t>}</a:t>
+            </a:r>
+          </a:p>
+        </p:txBody>
+      </p:sp>
+      <p:sp>
+        <p:nvSpPr>
+          <p:cNvPr id="6" name="Rounded Rectangle 5">
+            <a:extLst>
+              <a:ext uri="{FF2B5EF4-FFF2-40B4-BE49-F238E27FC236}">
+                <a16:creationId xmlns:a16="http://schemas.microsoft.com/office/drawing/2014/main" id="{8AFB716D-3ADC-4C43-8162-5AAE8F4E7041}"/>
+              </a:ext>
+            </a:extLst>
+          </p:cNvPr>
+          <p:cNvSpPr/>
+          <p:nvPr/>
+        </p:nvSpPr>
+        <p:spPr bwMode="auto">
+          <a:xfrm>
+            <a:off x="4436533" y="2980267"/>
+            <a:ext cx="4419600" cy="1981199"/>
+          </a:xfrm>
+          <a:prstGeom prst="roundRect">
+            <a:avLst/>
+          </a:prstGeom>
+          <a:solidFill>
+            <a:schemeClr val="accent5">
+              <a:alpha val="20000"/>
+            </a:schemeClr>
+          </a:solidFill>
+          <a:ln w="9525" cap="flat" cmpd="sng" algn="ctr">
+            <a:solidFill>
+              <a:schemeClr val="tx1"/>
+            </a:solidFill>
+            <a:prstDash val="solid"/>
+            <a:round/>
+            <a:headEnd type="none" w="med" len="med"/>
+            <a:tailEnd type="none" w="med" len="med"/>
+          </a:ln>
+          <a:effectLst/>
+        </p:spPr>
+        <p:txBody>
+          <a:bodyPr vert="horz" wrap="square" lIns="91440" tIns="45720" rIns="91440" bIns="45720" numCol="1" rtlCol="0" anchor="t" anchorCtr="0" compatLnSpc="1">
+            <a:prstTxWarp prst="textNoShape">
+              <a:avLst/>
+            </a:prstTxWarp>
+          </a:bodyPr>
+          <a:lstStyle/>
+          <a:p>
+            <a:pPr marL="342900" marR="0" indent="-342900" algn="l" defTabSz="914400" rtl="0" eaLnBrk="1" fontAlgn="base" latinLnBrk="0" hangingPunct="1">
+              <a:lnSpc>
+                <a:spcPct val="100000"/>
+              </a:lnSpc>
+              <a:spcBef>
+                <a:spcPct val="0"/>
+              </a:spcBef>
+              <a:spcAft>
+                <a:spcPct val="0"/>
+              </a:spcAft>
+              <a:buClrTx/>
+              <a:buSzTx/>
+              <a:buFont typeface="Arial" panose="020B0604020202020204" pitchFamily="34" charset="0"/>
+              <a:buChar char="•"/>
+              <a:tabLst/>
             </a:pPr>
             <a:r>
-              <a:rPr lang="en-US" sz="2400" i="0" dirty="0">
-                <a:cs typeface="Courier New" panose="02070309020205020404" pitchFamily="49" charset="0"/>
-              </a:rPr>
-              <a:t>{</a:t>
-            </a:r>
-          </a:p>
-          <a:p>
-            <a:pPr marL="0" indent="0" eaLnBrk="1" hangingPunct="1">
-              <a:buNone/>
+              <a:rPr lang="en-US" dirty="0"/>
+              <a:t>A project is a company; method main is its CEO.</a:t>
+            </a:r>
+          </a:p>
+          <a:p>
+            <a:pPr marL="342900" marR="0" indent="-342900" algn="l" defTabSz="914400" rtl="0" eaLnBrk="1" fontAlgn="base" latinLnBrk="0" hangingPunct="1">
+              <a:lnSpc>
+                <a:spcPct val="100000"/>
+              </a:lnSpc>
+              <a:spcBef>
+                <a:spcPct val="0"/>
+              </a:spcBef>
+              <a:spcAft>
+                <a:spcPct val="0"/>
+              </a:spcAft>
+              <a:buClrTx/>
+              <a:buSzTx/>
+              <a:buFont typeface="Arial" panose="020B0604020202020204" pitchFamily="34" charset="0"/>
+              <a:buChar char="•"/>
+              <a:tabLst/>
             </a:pPr>
             <a:r>
-              <a:rPr lang="en-US" sz="2400" i="0" dirty="0">
-                <a:cs typeface="Courier New" panose="02070309020205020404" pitchFamily="49" charset="0"/>
-              </a:rPr>
-              <a:t>  </a:t>
-            </a:r>
-            <a:r>
-              <a:rPr lang="en-US" sz="2400" i="0" dirty="0" err="1">
-                <a:cs typeface="Courier New" panose="02070309020205020404" pitchFamily="49" charset="0"/>
-              </a:rPr>
-              <a:t>cout</a:t>
-            </a:r>
-            <a:r>
-              <a:rPr lang="en-US" sz="2400" i="0" dirty="0">
-                <a:cs typeface="Courier New" panose="02070309020205020404" pitchFamily="49" charset="0"/>
-              </a:rPr>
-              <a:t> &lt;&lt; "Hello, World!" &lt;&lt; </a:t>
-            </a:r>
-            <a:r>
-              <a:rPr lang="en-US" sz="2400" i="0" dirty="0" err="1">
-                <a:cs typeface="Courier New" panose="02070309020205020404" pitchFamily="49" charset="0"/>
-              </a:rPr>
-              <a:t>endl</a:t>
-            </a:r>
-            <a:r>
-              <a:rPr lang="en-US" sz="2400" i="0" dirty="0">
-                <a:cs typeface="Courier New" panose="02070309020205020404" pitchFamily="49" charset="0"/>
-              </a:rPr>
-              <a:t>;</a:t>
-            </a:r>
-          </a:p>
-          <a:p>
-            <a:pPr marL="0" indent="0" eaLnBrk="1" hangingPunct="1">
-              <a:buNone/>
+              <a:rPr kumimoji="0" lang="en-US" sz="2000" b="1" i="1" u="none" strike="noStrike" cap="none" normalizeH="0" baseline="0" dirty="0">
+                <a:ln>
+                  <a:noFill/>
+                </a:ln>
+                <a:solidFill>
+                  <a:schemeClr val="tx1"/>
+                </a:solidFill>
+                <a:effectLst/>
+                <a:latin typeface="Courier New" pitchFamily="49" charset="0"/>
+              </a:rPr>
+              <a:t>Codes in main are TODO list of the CEO.</a:t>
+            </a:r>
+          </a:p>
+          <a:p>
+            <a:pPr marL="342900" marR="0" indent="-342900" algn="l" defTabSz="914400" rtl="0" eaLnBrk="1" fontAlgn="base" latinLnBrk="0" hangingPunct="1">
+              <a:lnSpc>
+                <a:spcPct val="100000"/>
+              </a:lnSpc>
+              <a:spcBef>
+                <a:spcPct val="0"/>
+              </a:spcBef>
+              <a:spcAft>
+                <a:spcPct val="0"/>
+              </a:spcAft>
+              <a:buClrTx/>
+              <a:buSzTx/>
+              <a:buFont typeface="Arial" panose="020B0604020202020204" pitchFamily="34" charset="0"/>
+              <a:buChar char="•"/>
+              <a:tabLst/>
             </a:pPr>
             <a:r>
-              <a:rPr lang="en-US" sz="2400" i="0" dirty="0">
-                <a:cs typeface="Courier New" panose="02070309020205020404" pitchFamily="49" charset="0"/>
-              </a:rPr>
-              <a:t>  return 0;</a:t>
-            </a:r>
-          </a:p>
-          <a:p>
-            <a:pPr marL="0" indent="0" eaLnBrk="1" hangingPunct="1">
-              <a:buNone/>
-            </a:pPr>
-            <a:r>
-              <a:rPr lang="en-US" sz="2400" i="0" dirty="0">
-                <a:cs typeface="Courier New" panose="02070309020205020404" pitchFamily="49" charset="0"/>
-              </a:rPr>
-              <a:t>}</a:t>
-            </a:r>
-            <a:endParaRPr lang="en-US" altLang="en-US" sz="2400" i="0" dirty="0">
-              <a:cs typeface="Courier New" panose="02070309020205020404" pitchFamily="49" charset="0"/>
+              <a:rPr kumimoji="0" lang="en-US" sz="2000" b="1" i="1" u="none" strike="noStrike" cap="none" normalizeH="0" baseline="0" dirty="0">
+                <a:ln>
+                  <a:noFill/>
+                </a:ln>
+                <a:solidFill>
+                  <a:schemeClr val="tx1"/>
+                </a:solidFill>
+                <a:effectLst/>
+                <a:latin typeface="Courier New" pitchFamily="49" charset="0"/>
+              </a:rPr>
+              <a:t>Method m</a:t>
+            </a:r>
+            <a:r>
+              <a:rPr lang="en-US" dirty="0"/>
+              <a:t>ain is entry point of a project.</a:t>
+            </a:r>
+            <a:endParaRPr kumimoji="0" lang="en-US" sz="2000" b="1" i="1" u="none" strike="noStrike" cap="none" normalizeH="0" baseline="0" dirty="0">
+              <a:ln>
+                <a:noFill/>
+              </a:ln>
+              <a:solidFill>
+                <a:schemeClr val="tx1"/>
+              </a:solidFill>
+              <a:effectLst/>
+              <a:latin typeface="Courier New" pitchFamily="49" charset="0"/>
             </a:endParaRPr>
           </a:p>
         </p:txBody>
@@ -7385,6 +8008,9 @@
             </a:r>
             <a:r>
               <a:rPr lang="en-US" altLang="en-US" sz="2400" b="1" dirty="0">
+                <a:highlight>
+                  <a:srgbClr val="FFE9CC"/>
+                </a:highlight>
                 <a:latin typeface="Courier New" panose="02070309020205020404" pitchFamily="49" charset="0"/>
                 <a:cs typeface="Courier New" panose="02070309020205020404" pitchFamily="49" charset="0"/>
               </a:rPr>
@@ -7426,6 +8052,9 @@
             </a:r>
             <a:r>
               <a:rPr lang="en-US" altLang="en-US" sz="2000" b="1" dirty="0" err="1">
+                <a:highlight>
+                  <a:srgbClr val="00FFFF"/>
+                </a:highlight>
                 <a:latin typeface="Courier New" panose="02070309020205020404" pitchFamily="49" charset="0"/>
                 <a:cs typeface="Courier New" panose="02070309020205020404" pitchFamily="49" charset="0"/>
               </a:rPr>
@@ -7652,147 +8281,276 @@
           </a:bodyPr>
           <a:lstStyle/>
           <a:p>
-            <a:pPr marL="0" indent="0" eaLnBrk="1" hangingPunct="1">
+            <a:pPr marL="0" indent="0">
               <a:buNone/>
             </a:pPr>
             <a:r>
-              <a:rPr lang="en-US" sz="2400" i="0" dirty="0">
-                <a:solidFill>
-                  <a:srgbClr val="3C3C3C"/>
-                </a:solidFill>
-                <a:cs typeface="Courier New" panose="02070309020205020404" pitchFamily="49" charset="0"/>
-              </a:rPr>
-              <a:t>#include &lt;</a:t>
-            </a:r>
-            <a:r>
-              <a:rPr lang="en-US" sz="2400" i="0" dirty="0" err="1">
-                <a:solidFill>
-                  <a:srgbClr val="3C3C3C"/>
-                </a:solidFill>
-                <a:cs typeface="Courier New" panose="02070309020205020404" pitchFamily="49" charset="0"/>
-              </a:rPr>
-              <a:t>iostream</a:t>
-            </a:r>
-            <a:r>
-              <a:rPr lang="en-US" sz="2400" i="0" dirty="0">
-                <a:solidFill>
-                  <a:srgbClr val="3C3C3C"/>
-                </a:solidFill>
-                <a:cs typeface="Courier New" panose="02070309020205020404" pitchFamily="49" charset="0"/>
-              </a:rPr>
-              <a:t>&gt;</a:t>
-            </a:r>
-          </a:p>
-          <a:p>
-            <a:pPr marL="0" indent="0" eaLnBrk="1" hangingPunct="1">
+              <a:rPr lang="en-US" sz="2400" b="0" i="0" dirty="0">
+                <a:solidFill>
+                  <a:srgbClr val="C814C9"/>
+                </a:solidFill>
+                <a:latin typeface="Menlo" panose="020B0609030804020204" pitchFamily="49" charset="0"/>
+              </a:rPr>
+              <a:t>#include </a:t>
+            </a:r>
+            <a:r>
+              <a:rPr lang="en-US" sz="2400" b="0" i="0" dirty="0">
+                <a:solidFill>
+                  <a:srgbClr val="B42419"/>
+                </a:solidFill>
+                <a:latin typeface="Menlo" panose="020B0609030804020204" pitchFamily="49" charset="0"/>
+              </a:rPr>
+              <a:t>&lt;iostream&gt;</a:t>
+            </a:r>
+          </a:p>
+          <a:p>
+            <a:pPr marL="0" indent="0">
               <a:buNone/>
             </a:pPr>
             <a:r>
-              <a:rPr lang="en-US" sz="2400" i="0" dirty="0">
-                <a:cs typeface="Courier New" panose="02070309020205020404" pitchFamily="49" charset="0"/>
-              </a:rPr>
-              <a:t>using namespace </a:t>
-            </a:r>
-            <a:r>
-              <a:rPr lang="en-US" sz="2400" i="0" dirty="0" err="1">
-                <a:cs typeface="Courier New" panose="02070309020205020404" pitchFamily="49" charset="0"/>
-              </a:rPr>
-              <a:t>std</a:t>
-            </a:r>
-            <a:r>
-              <a:rPr lang="en-US" sz="2400" i="0" dirty="0">
-                <a:cs typeface="Courier New" panose="02070309020205020404" pitchFamily="49" charset="0"/>
-              </a:rPr>
-              <a:t>; </a:t>
-            </a:r>
-          </a:p>
-          <a:p>
-            <a:pPr marL="0" indent="0" eaLnBrk="1" hangingPunct="1">
+              <a:rPr lang="en-US" sz="2400" b="0" i="0" dirty="0">
+                <a:solidFill>
+                  <a:srgbClr val="C1651C"/>
+                </a:solidFill>
+                <a:latin typeface="Menlo" panose="020B0609030804020204" pitchFamily="49" charset="0"/>
+              </a:rPr>
+              <a:t>using</a:t>
+            </a:r>
+            <a:r>
+              <a:rPr lang="en-US" sz="2400" b="0" i="0" dirty="0">
+                <a:solidFill>
+                  <a:srgbClr val="000000"/>
+                </a:solidFill>
+                <a:latin typeface="Menlo" panose="020B0609030804020204" pitchFamily="49" charset="0"/>
+              </a:rPr>
+              <a:t> </a:t>
+            </a:r>
+            <a:r>
+              <a:rPr lang="en-US" sz="2400" b="0" i="0" dirty="0">
+                <a:solidFill>
+                  <a:srgbClr val="2FB41D"/>
+                </a:solidFill>
+                <a:latin typeface="Menlo" panose="020B0609030804020204" pitchFamily="49" charset="0"/>
+              </a:rPr>
+              <a:t>namespace</a:t>
+            </a:r>
+            <a:r>
+              <a:rPr lang="en-US" sz="2400" b="0" i="0" dirty="0">
+                <a:solidFill>
+                  <a:srgbClr val="000000"/>
+                </a:solidFill>
+                <a:latin typeface="Menlo" panose="020B0609030804020204" pitchFamily="49" charset="0"/>
+              </a:rPr>
+              <a:t> std;</a:t>
+            </a:r>
+            <a:endParaRPr lang="en-US" sz="2400" b="0" i="0" dirty="0">
+              <a:solidFill>
+                <a:srgbClr val="2FB41D"/>
+              </a:solidFill>
+              <a:latin typeface="Menlo" panose="020B0609030804020204" pitchFamily="49" charset="0"/>
+            </a:endParaRPr>
+          </a:p>
+          <a:p>
+            <a:pPr marL="0" indent="0">
               <a:buNone/>
             </a:pPr>
             <a:r>
-              <a:rPr lang="en-US" sz="2400" i="0" dirty="0" err="1">
-                <a:cs typeface="Courier New" panose="02070309020205020404" pitchFamily="49" charset="0"/>
+              <a:rPr lang="en-US" sz="2400" b="0" i="0" dirty="0">
+                <a:solidFill>
+                  <a:srgbClr val="2FB41D"/>
+                </a:solidFill>
+                <a:latin typeface="Menlo" panose="020B0609030804020204" pitchFamily="49" charset="0"/>
               </a:rPr>
               <a:t>int</a:t>
             </a:r>
             <a:r>
-              <a:rPr lang="en-US" sz="2400" i="0" dirty="0">
-                <a:cs typeface="Courier New" panose="02070309020205020404" pitchFamily="49" charset="0"/>
-              </a:rPr>
-              <a:t> main() </a:t>
-            </a:r>
-          </a:p>
-          <a:p>
-            <a:pPr marL="0" indent="0" eaLnBrk="1" hangingPunct="1">
+              <a:rPr lang="en-US" sz="2400" b="0" i="0" dirty="0">
+                <a:solidFill>
+                  <a:srgbClr val="000000"/>
+                </a:solidFill>
+                <a:latin typeface="Menlo" panose="020B0609030804020204" pitchFamily="49" charset="0"/>
+              </a:rPr>
+              <a:t> main()</a:t>
+            </a:r>
+          </a:p>
+          <a:p>
+            <a:pPr marL="0" indent="0">
               <a:buNone/>
             </a:pPr>
             <a:r>
-              <a:rPr lang="en-US" sz="2400" i="0" dirty="0">
-                <a:cs typeface="Courier New" panose="02070309020205020404" pitchFamily="49" charset="0"/>
+              <a:rPr lang="en-US" sz="2400" b="0" i="0" dirty="0">
+                <a:solidFill>
+                  <a:srgbClr val="000000"/>
+                </a:solidFill>
+                <a:latin typeface="Menlo" panose="020B0609030804020204" pitchFamily="49" charset="0"/>
               </a:rPr>
               <a:t>{</a:t>
             </a:r>
           </a:p>
           <a:p>
-            <a:pPr marL="0" indent="0" eaLnBrk="1" hangingPunct="1">
+            <a:pPr marL="0" indent="0">
               <a:buNone/>
             </a:pPr>
             <a:r>
-              <a:rPr lang="en-US" sz="2400" i="0" dirty="0">
-                <a:cs typeface="Courier New" panose="02070309020205020404" pitchFamily="49" charset="0"/>
-              </a:rPr>
-              <a:t>  </a:t>
-            </a:r>
-            <a:r>
-              <a:rPr lang="en-US" sz="2400" i="0" u="sng" dirty="0" err="1">
-                <a:cs typeface="Courier New" panose="02070309020205020404" pitchFamily="49" charset="0"/>
+              <a:rPr lang="en-US" sz="2400" b="0" i="0" dirty="0">
+                <a:solidFill>
+                  <a:srgbClr val="000000"/>
+                </a:solidFill>
+                <a:latin typeface="Menlo" panose="020B0609030804020204" pitchFamily="49" charset="0"/>
+              </a:rPr>
+              <a:t>  </a:t>
+            </a:r>
+            <a:r>
+              <a:rPr lang="en-US" sz="2400" b="0" i="0" dirty="0" err="1">
+                <a:solidFill>
+                  <a:srgbClr val="000000"/>
+                </a:solidFill>
+                <a:highlight>
+                  <a:srgbClr val="FFFF00"/>
+                </a:highlight>
+                <a:latin typeface="Menlo" panose="020B0609030804020204" pitchFamily="49" charset="0"/>
               </a:rPr>
               <a:t>cout</a:t>
             </a:r>
             <a:r>
-              <a:rPr lang="en-US" sz="2400" i="0" dirty="0">
-                <a:cs typeface="Courier New" panose="02070309020205020404" pitchFamily="49" charset="0"/>
-              </a:rPr>
-              <a:t> &lt;&lt; "Hello, World!" &lt;&lt; </a:t>
-            </a:r>
-            <a:r>
-              <a:rPr lang="en-US" sz="2400" i="0" u="sng" dirty="0" err="1">
-                <a:cs typeface="Courier New" panose="02070309020205020404" pitchFamily="49" charset="0"/>
+              <a:rPr lang="en-US" sz="2400" b="0" i="0" dirty="0">
+                <a:solidFill>
+                  <a:srgbClr val="000000"/>
+                </a:solidFill>
+                <a:latin typeface="Menlo" panose="020B0609030804020204" pitchFamily="49" charset="0"/>
+              </a:rPr>
+              <a:t> </a:t>
+            </a:r>
+            <a:r>
+              <a:rPr lang="en-US" sz="2400" b="0" i="0" dirty="0">
+                <a:solidFill>
+                  <a:srgbClr val="000000"/>
+                </a:solidFill>
+                <a:highlight>
+                  <a:srgbClr val="FFCCFF"/>
+                </a:highlight>
+                <a:latin typeface="Menlo" panose="020B0609030804020204" pitchFamily="49" charset="0"/>
+              </a:rPr>
+              <a:t>&lt;&lt;</a:t>
+            </a:r>
+            <a:r>
+              <a:rPr lang="en-US" sz="2400" b="0" i="0" dirty="0">
+                <a:solidFill>
+                  <a:srgbClr val="000000"/>
+                </a:solidFill>
+                <a:latin typeface="Menlo" panose="020B0609030804020204" pitchFamily="49" charset="0"/>
+              </a:rPr>
+              <a:t> </a:t>
+            </a:r>
+            <a:r>
+              <a:rPr lang="en-US" sz="2400" b="0" i="0" dirty="0">
+                <a:solidFill>
+                  <a:srgbClr val="B42419"/>
+                </a:solidFill>
+                <a:latin typeface="Menlo" panose="020B0609030804020204" pitchFamily="49" charset="0"/>
+              </a:rPr>
+              <a:t>"Hello, World!"</a:t>
+            </a:r>
+            <a:r>
+              <a:rPr lang="en-US" sz="2400" b="0" i="0" dirty="0">
+                <a:solidFill>
+                  <a:srgbClr val="000000"/>
+                </a:solidFill>
+                <a:latin typeface="Menlo" panose="020B0609030804020204" pitchFamily="49" charset="0"/>
+              </a:rPr>
+              <a:t> &lt;&lt; </a:t>
+            </a:r>
+            <a:r>
+              <a:rPr lang="en-US" sz="2400" b="0" i="0" dirty="0" err="1">
+                <a:solidFill>
+                  <a:srgbClr val="000000"/>
+                </a:solidFill>
+                <a:highlight>
+                  <a:srgbClr val="00FFFF"/>
+                </a:highlight>
+                <a:latin typeface="Menlo" panose="020B0609030804020204" pitchFamily="49" charset="0"/>
               </a:rPr>
               <a:t>endl</a:t>
             </a:r>
             <a:r>
-              <a:rPr lang="en-US" sz="2400" i="0" dirty="0">
-                <a:cs typeface="Courier New" panose="02070309020205020404" pitchFamily="49" charset="0"/>
+              <a:rPr lang="en-US" sz="2400" b="0" i="0" dirty="0">
+                <a:solidFill>
+                  <a:srgbClr val="000000"/>
+                </a:solidFill>
+                <a:latin typeface="Menlo" panose="020B0609030804020204" pitchFamily="49" charset="0"/>
               </a:rPr>
               <a:t>;</a:t>
             </a:r>
           </a:p>
           <a:p>
-            <a:pPr marL="0" indent="0" eaLnBrk="1" hangingPunct="1">
+            <a:pPr marL="0" indent="0">
               <a:buNone/>
             </a:pPr>
             <a:r>
-              <a:rPr lang="en-US" sz="2400" i="0" dirty="0">
-                <a:cs typeface="Courier New" panose="02070309020205020404" pitchFamily="49" charset="0"/>
-              </a:rPr>
-              <a:t>  return 0;</a:t>
-            </a:r>
-          </a:p>
-          <a:p>
-            <a:pPr marL="0" indent="0" eaLnBrk="1" hangingPunct="1">
+              <a:rPr lang="en-US" sz="2400" b="0" i="0" dirty="0">
+                <a:solidFill>
+                  <a:srgbClr val="000000"/>
+                </a:solidFill>
+                <a:latin typeface="Menlo" panose="020B0609030804020204" pitchFamily="49" charset="0"/>
+              </a:rPr>
+              <a:t>  </a:t>
+            </a:r>
+            <a:r>
+              <a:rPr lang="en-US" sz="2400" b="0" i="0" dirty="0">
+                <a:solidFill>
+                  <a:srgbClr val="C1651C"/>
+                </a:solidFill>
+                <a:latin typeface="Menlo" panose="020B0609030804020204" pitchFamily="49" charset="0"/>
+              </a:rPr>
+              <a:t>return</a:t>
+            </a:r>
+            <a:r>
+              <a:rPr lang="en-US" sz="2400" b="0" i="0" dirty="0">
+                <a:solidFill>
+                  <a:srgbClr val="000000"/>
+                </a:solidFill>
+                <a:latin typeface="Menlo" panose="020B0609030804020204" pitchFamily="49" charset="0"/>
+              </a:rPr>
+              <a:t> </a:t>
+            </a:r>
+            <a:r>
+              <a:rPr lang="en-US" sz="2400" b="0" i="0" dirty="0">
+                <a:solidFill>
+                  <a:srgbClr val="B42419"/>
+                </a:solidFill>
+                <a:latin typeface="Menlo" panose="020B0609030804020204" pitchFamily="49" charset="0"/>
+              </a:rPr>
+              <a:t>0</a:t>
+            </a:r>
+            <a:r>
+              <a:rPr lang="en-US" sz="2400" b="0" i="0" dirty="0">
+                <a:solidFill>
+                  <a:srgbClr val="000000"/>
+                </a:solidFill>
+                <a:latin typeface="Menlo" panose="020B0609030804020204" pitchFamily="49" charset="0"/>
+              </a:rPr>
+              <a:t>;</a:t>
+            </a:r>
+            <a:endParaRPr lang="en-US" sz="2400" b="0" i="0" dirty="0">
+              <a:solidFill>
+                <a:srgbClr val="C1651C"/>
+              </a:solidFill>
+              <a:latin typeface="Menlo" panose="020B0609030804020204" pitchFamily="49" charset="0"/>
+            </a:endParaRPr>
+          </a:p>
+          <a:p>
+            <a:pPr marL="0" indent="0">
               <a:buNone/>
             </a:pPr>
             <a:r>
-              <a:rPr lang="en-US" sz="2400" i="0" dirty="0">
-                <a:cs typeface="Courier New" panose="02070309020205020404" pitchFamily="49" charset="0"/>
+              <a:rPr lang="en-US" sz="2400" b="0" i="0" dirty="0">
+                <a:solidFill>
+                  <a:srgbClr val="000000"/>
+                </a:solidFill>
+                <a:latin typeface="Menlo" panose="020B0609030804020204" pitchFamily="49" charset="0"/>
               </a:rPr>
               <a:t>}</a:t>
             </a:r>
-            <a:endParaRPr lang="en-US" altLang="en-US" sz="2400" i="0" dirty="0">
-              <a:cs typeface="Courier New" panose="02070309020205020404" pitchFamily="49" charset="0"/>
-            </a:endParaRPr>
           </a:p>
         </p:txBody>
       </p:sp>
@@ -8182,147 +8940,267 @@
           </a:bodyPr>
           <a:lstStyle/>
           <a:p>
-            <a:pPr marL="0" indent="0" eaLnBrk="1" hangingPunct="1">
+            <a:pPr marL="0" indent="0">
               <a:buNone/>
             </a:pPr>
             <a:r>
-              <a:rPr lang="en-US" sz="2400" i="0" dirty="0">
-                <a:solidFill>
-                  <a:srgbClr val="3C3C3C"/>
-                </a:solidFill>
-                <a:cs typeface="Courier New" panose="02070309020205020404" pitchFamily="49" charset="0"/>
-              </a:rPr>
-              <a:t>#include &lt;</a:t>
-            </a:r>
-            <a:r>
-              <a:rPr lang="en-US" sz="2400" i="0" dirty="0" err="1">
-                <a:solidFill>
-                  <a:srgbClr val="3C3C3C"/>
-                </a:solidFill>
-                <a:cs typeface="Courier New" panose="02070309020205020404" pitchFamily="49" charset="0"/>
-              </a:rPr>
-              <a:t>iostream</a:t>
-            </a:r>
-            <a:r>
-              <a:rPr lang="en-US" sz="2400" i="0" dirty="0">
-                <a:solidFill>
-                  <a:srgbClr val="3C3C3C"/>
-                </a:solidFill>
-                <a:cs typeface="Courier New" panose="02070309020205020404" pitchFamily="49" charset="0"/>
-              </a:rPr>
-              <a:t>&gt;</a:t>
-            </a:r>
-          </a:p>
-          <a:p>
-            <a:pPr marL="0" indent="0" eaLnBrk="1" hangingPunct="1">
+              <a:rPr lang="en-US" sz="2400" b="0" i="0" dirty="0">
+                <a:solidFill>
+                  <a:srgbClr val="C814C9"/>
+                </a:solidFill>
+                <a:latin typeface="Menlo" panose="020B0609030804020204" pitchFamily="49" charset="0"/>
+              </a:rPr>
+              <a:t>#include </a:t>
+            </a:r>
+            <a:r>
+              <a:rPr lang="en-US" sz="2400" b="0" i="0" dirty="0">
+                <a:solidFill>
+                  <a:srgbClr val="B42419"/>
+                </a:solidFill>
+                <a:latin typeface="Menlo" panose="020B0609030804020204" pitchFamily="49" charset="0"/>
+              </a:rPr>
+              <a:t>&lt;iostream&gt;</a:t>
+            </a:r>
+          </a:p>
+          <a:p>
+            <a:pPr marL="0" indent="0">
               <a:buNone/>
             </a:pPr>
             <a:r>
-              <a:rPr lang="en-US" sz="2400" i="0" dirty="0">
-                <a:cs typeface="Courier New" panose="02070309020205020404" pitchFamily="49" charset="0"/>
-              </a:rPr>
-              <a:t>using namespace </a:t>
-            </a:r>
-            <a:r>
-              <a:rPr lang="en-US" sz="2400" i="0" dirty="0" err="1">
-                <a:cs typeface="Courier New" panose="02070309020205020404" pitchFamily="49" charset="0"/>
-              </a:rPr>
-              <a:t>std</a:t>
-            </a:r>
-            <a:r>
-              <a:rPr lang="en-US" sz="2400" i="0" dirty="0">
-                <a:cs typeface="Courier New" panose="02070309020205020404" pitchFamily="49" charset="0"/>
-              </a:rPr>
-              <a:t>; </a:t>
-            </a:r>
-          </a:p>
-          <a:p>
-            <a:pPr marL="0" indent="0" eaLnBrk="1" hangingPunct="1">
+              <a:rPr lang="en-US" sz="2400" b="0" i="0" dirty="0">
+                <a:solidFill>
+                  <a:srgbClr val="C1651C"/>
+                </a:solidFill>
+                <a:latin typeface="Menlo" panose="020B0609030804020204" pitchFamily="49" charset="0"/>
+              </a:rPr>
+              <a:t>using</a:t>
+            </a:r>
+            <a:r>
+              <a:rPr lang="en-US" sz="2400" b="0" i="0" dirty="0">
+                <a:solidFill>
+                  <a:srgbClr val="000000"/>
+                </a:solidFill>
+                <a:latin typeface="Menlo" panose="020B0609030804020204" pitchFamily="49" charset="0"/>
+              </a:rPr>
+              <a:t> </a:t>
+            </a:r>
+            <a:r>
+              <a:rPr lang="en-US" sz="2400" b="0" i="0" dirty="0">
+                <a:solidFill>
+                  <a:srgbClr val="2FB41D"/>
+                </a:solidFill>
+                <a:latin typeface="Menlo" panose="020B0609030804020204" pitchFamily="49" charset="0"/>
+              </a:rPr>
+              <a:t>namespace</a:t>
+            </a:r>
+            <a:r>
+              <a:rPr lang="en-US" sz="2400" b="0" i="0" dirty="0">
+                <a:solidFill>
+                  <a:srgbClr val="000000"/>
+                </a:solidFill>
+                <a:latin typeface="Menlo" panose="020B0609030804020204" pitchFamily="49" charset="0"/>
+              </a:rPr>
+              <a:t> std;</a:t>
+            </a:r>
+            <a:endParaRPr lang="en-US" sz="2400" b="0" i="0" dirty="0">
+              <a:solidFill>
+                <a:srgbClr val="2FB41D"/>
+              </a:solidFill>
+              <a:latin typeface="Menlo" panose="020B0609030804020204" pitchFamily="49" charset="0"/>
+            </a:endParaRPr>
+          </a:p>
+          <a:p>
+            <a:pPr marL="0" indent="0">
               <a:buNone/>
             </a:pPr>
             <a:r>
-              <a:rPr lang="en-US" sz="2400" i="0" dirty="0" err="1">
-                <a:cs typeface="Courier New" panose="02070309020205020404" pitchFamily="49" charset="0"/>
+              <a:rPr lang="en-US" sz="2400" b="0" i="0" dirty="0">
+                <a:solidFill>
+                  <a:srgbClr val="2FB41D"/>
+                </a:solidFill>
+                <a:latin typeface="Menlo" panose="020B0609030804020204" pitchFamily="49" charset="0"/>
               </a:rPr>
               <a:t>int</a:t>
             </a:r>
             <a:r>
-              <a:rPr lang="en-US" sz="2400" i="0" dirty="0">
-                <a:cs typeface="Courier New" panose="02070309020205020404" pitchFamily="49" charset="0"/>
-              </a:rPr>
-              <a:t> main() </a:t>
-            </a:r>
-          </a:p>
-          <a:p>
-            <a:pPr marL="0" indent="0" eaLnBrk="1" hangingPunct="1">
+              <a:rPr lang="en-US" sz="2400" b="0" i="0" dirty="0">
+                <a:solidFill>
+                  <a:srgbClr val="000000"/>
+                </a:solidFill>
+                <a:latin typeface="Menlo" panose="020B0609030804020204" pitchFamily="49" charset="0"/>
+              </a:rPr>
+              <a:t> main()</a:t>
+            </a:r>
+          </a:p>
+          <a:p>
+            <a:pPr marL="0" indent="0">
               <a:buNone/>
             </a:pPr>
             <a:r>
-              <a:rPr lang="en-US" sz="2400" i="0" dirty="0">
-                <a:cs typeface="Courier New" panose="02070309020205020404" pitchFamily="49" charset="0"/>
+              <a:rPr lang="en-US" sz="2400" b="0" i="0" dirty="0">
+                <a:solidFill>
+                  <a:srgbClr val="000000"/>
+                </a:solidFill>
+                <a:latin typeface="Menlo" panose="020B0609030804020204" pitchFamily="49" charset="0"/>
               </a:rPr>
               <a:t>{</a:t>
             </a:r>
           </a:p>
           <a:p>
-            <a:pPr marL="0" indent="0" eaLnBrk="1" hangingPunct="1">
+            <a:pPr marL="0" indent="0">
               <a:buNone/>
             </a:pPr>
             <a:r>
-              <a:rPr lang="en-US" sz="2400" i="0" dirty="0">
-                <a:cs typeface="Courier New" panose="02070309020205020404" pitchFamily="49" charset="0"/>
-              </a:rPr>
-              <a:t>  </a:t>
-            </a:r>
-            <a:r>
-              <a:rPr lang="en-US" sz="2400" i="0" u="sng" dirty="0" err="1">
-                <a:cs typeface="Courier New" panose="02070309020205020404" pitchFamily="49" charset="0"/>
+              <a:rPr lang="en-US" sz="2400" b="0" i="0" dirty="0">
+                <a:solidFill>
+                  <a:srgbClr val="000000"/>
+                </a:solidFill>
+                <a:latin typeface="Menlo" panose="020B0609030804020204" pitchFamily="49" charset="0"/>
+              </a:rPr>
+              <a:t>  </a:t>
+            </a:r>
+            <a:r>
+              <a:rPr lang="en-US" sz="2400" b="0" i="0" dirty="0" err="1">
+                <a:solidFill>
+                  <a:srgbClr val="000000"/>
+                </a:solidFill>
+                <a:highlight>
+                  <a:srgbClr val="FFFF00"/>
+                </a:highlight>
+                <a:latin typeface="Menlo" panose="020B0609030804020204" pitchFamily="49" charset="0"/>
               </a:rPr>
               <a:t>cout</a:t>
             </a:r>
             <a:r>
-              <a:rPr lang="en-US" sz="2400" i="0" u="sng" dirty="0">
-                <a:cs typeface="Courier New" panose="02070309020205020404" pitchFamily="49" charset="0"/>
-              </a:rPr>
-              <a:t> &lt;&lt; "Hello, World!" &lt;&lt; </a:t>
-            </a:r>
-            <a:r>
-              <a:rPr lang="en-US" sz="2400" i="0" u="sng" dirty="0" err="1">
-                <a:cs typeface="Courier New" panose="02070309020205020404" pitchFamily="49" charset="0"/>
+              <a:rPr lang="en-US" sz="2400" b="0" i="0" dirty="0">
+                <a:solidFill>
+                  <a:srgbClr val="000000"/>
+                </a:solidFill>
+                <a:highlight>
+                  <a:srgbClr val="FFFF00"/>
+                </a:highlight>
+                <a:latin typeface="Menlo" panose="020B0609030804020204" pitchFamily="49" charset="0"/>
+              </a:rPr>
+              <a:t> &lt;&lt; </a:t>
+            </a:r>
+            <a:r>
+              <a:rPr lang="en-US" sz="2400" b="0" i="0" dirty="0">
+                <a:solidFill>
+                  <a:srgbClr val="B42419"/>
+                </a:solidFill>
+                <a:highlight>
+                  <a:srgbClr val="FFFF00"/>
+                </a:highlight>
+                <a:latin typeface="Menlo" panose="020B0609030804020204" pitchFamily="49" charset="0"/>
+              </a:rPr>
+              <a:t>"Hello, World!"</a:t>
+            </a:r>
+            <a:r>
+              <a:rPr lang="en-US" sz="2400" b="0" i="0" dirty="0">
+                <a:solidFill>
+                  <a:srgbClr val="000000"/>
+                </a:solidFill>
+                <a:highlight>
+                  <a:srgbClr val="FFFF00"/>
+                </a:highlight>
+                <a:latin typeface="Menlo" panose="020B0609030804020204" pitchFamily="49" charset="0"/>
+              </a:rPr>
+              <a:t> &lt;&lt; </a:t>
+            </a:r>
+            <a:r>
+              <a:rPr lang="en-US" sz="2400" b="0" i="0" dirty="0" err="1">
+                <a:solidFill>
+                  <a:srgbClr val="000000"/>
+                </a:solidFill>
+                <a:highlight>
+                  <a:srgbClr val="FFFF00"/>
+                </a:highlight>
+                <a:latin typeface="Menlo" panose="020B0609030804020204" pitchFamily="49" charset="0"/>
               </a:rPr>
               <a:t>endl</a:t>
             </a:r>
             <a:r>
-              <a:rPr lang="en-US" sz="2400" i="0" u="sng" dirty="0">
-                <a:cs typeface="Courier New" panose="02070309020205020404" pitchFamily="49" charset="0"/>
+              <a:rPr lang="en-US" sz="2400" b="0" i="0" dirty="0">
+                <a:solidFill>
+                  <a:srgbClr val="000000"/>
+                </a:solidFill>
+                <a:highlight>
+                  <a:srgbClr val="FFFF00"/>
+                </a:highlight>
+                <a:latin typeface="Menlo" panose="020B0609030804020204" pitchFamily="49" charset="0"/>
               </a:rPr>
               <a:t>;</a:t>
             </a:r>
           </a:p>
           <a:p>
-            <a:pPr marL="0" indent="0" eaLnBrk="1" hangingPunct="1">
+            <a:pPr marL="0" indent="0">
               <a:buNone/>
             </a:pPr>
             <a:r>
-              <a:rPr lang="en-US" sz="2400" i="0" dirty="0">
-                <a:cs typeface="Courier New" panose="02070309020205020404" pitchFamily="49" charset="0"/>
-              </a:rPr>
-              <a:t>  return 0;</a:t>
-            </a:r>
-          </a:p>
-          <a:p>
-            <a:pPr marL="0" indent="0" eaLnBrk="1" hangingPunct="1">
+              <a:rPr lang="en-US" sz="2400" b="0" i="0" dirty="0">
+                <a:solidFill>
+                  <a:srgbClr val="000000"/>
+                </a:solidFill>
+                <a:latin typeface="Menlo" panose="020B0609030804020204" pitchFamily="49" charset="0"/>
+              </a:rPr>
+              <a:t>  </a:t>
+            </a:r>
+            <a:r>
+              <a:rPr lang="en-US" sz="2400" b="0" i="0" dirty="0">
+                <a:solidFill>
+                  <a:srgbClr val="C1651C"/>
+                </a:solidFill>
+                <a:latin typeface="Menlo" panose="020B0609030804020204" pitchFamily="49" charset="0"/>
+              </a:rPr>
+              <a:t>return</a:t>
+            </a:r>
+            <a:r>
+              <a:rPr lang="en-US" sz="2400" b="0" i="0" dirty="0">
+                <a:solidFill>
+                  <a:srgbClr val="000000"/>
+                </a:solidFill>
+                <a:latin typeface="Menlo" panose="020B0609030804020204" pitchFamily="49" charset="0"/>
+              </a:rPr>
+              <a:t> </a:t>
+            </a:r>
+            <a:r>
+              <a:rPr lang="en-US" sz="2400" b="0" i="0" dirty="0">
+                <a:solidFill>
+                  <a:srgbClr val="B42419"/>
+                </a:solidFill>
+                <a:latin typeface="Menlo" panose="020B0609030804020204" pitchFamily="49" charset="0"/>
+              </a:rPr>
+              <a:t>0</a:t>
+            </a:r>
+            <a:r>
+              <a:rPr lang="en-US" sz="2400" b="0" i="0" dirty="0">
+                <a:solidFill>
+                  <a:srgbClr val="000000"/>
+                </a:solidFill>
+                <a:latin typeface="Menlo" panose="020B0609030804020204" pitchFamily="49" charset="0"/>
+              </a:rPr>
+              <a:t>;</a:t>
+            </a:r>
+            <a:endParaRPr lang="en-US" sz="2400" b="0" i="0" dirty="0">
+              <a:solidFill>
+                <a:srgbClr val="C1651C"/>
+              </a:solidFill>
+              <a:latin typeface="Menlo" panose="020B0609030804020204" pitchFamily="49" charset="0"/>
+            </a:endParaRPr>
+          </a:p>
+          <a:p>
+            <a:pPr marL="0" indent="0">
               <a:buNone/>
             </a:pPr>
             <a:r>
-              <a:rPr lang="en-US" sz="2400" i="0" dirty="0">
-                <a:cs typeface="Courier New" panose="02070309020205020404" pitchFamily="49" charset="0"/>
+              <a:rPr lang="en-US" sz="2400" b="0" i="0" dirty="0">
+                <a:solidFill>
+                  <a:srgbClr val="000000"/>
+                </a:solidFill>
+                <a:latin typeface="Menlo" panose="020B0609030804020204" pitchFamily="49" charset="0"/>
               </a:rPr>
               <a:t>}</a:t>
             </a:r>
-            <a:endParaRPr lang="en-US" altLang="en-US" sz="2400" i="0" dirty="0">
-              <a:cs typeface="Courier New" panose="02070309020205020404" pitchFamily="49" charset="0"/>
-            </a:endParaRPr>
           </a:p>
         </p:txBody>
       </p:sp>
@@ -8653,7 +9531,7 @@
         <p:spPr>
           <a:xfrm>
             <a:off x="1196716" y="3277612"/>
-            <a:ext cx="7083779" cy="3046988"/>
+            <a:ext cx="7083779" cy="2677656"/>
           </a:xfrm>
           <a:prstGeom prst="rect">
             <a:avLst/>
@@ -8665,167 +9543,264 @@
           </a:bodyPr>
           <a:lstStyle/>
           <a:p>
-            <a:pPr marL="0" indent="0" eaLnBrk="1" hangingPunct="1">
+            <a:pPr marL="0" indent="0">
               <a:buNone/>
             </a:pPr>
             <a:r>
-              <a:rPr lang="en-US" sz="2400" i="0" dirty="0">
-                <a:solidFill>
-                  <a:srgbClr val="3C3C3C"/>
-                </a:solidFill>
-                <a:cs typeface="Courier New" panose="02070309020205020404" pitchFamily="49" charset="0"/>
-              </a:rPr>
-              <a:t>#include &lt;</a:t>
-            </a:r>
-            <a:r>
-              <a:rPr lang="en-US" sz="2400" i="0" dirty="0" err="1">
-                <a:solidFill>
-                  <a:srgbClr val="3C3C3C"/>
-                </a:solidFill>
-                <a:cs typeface="Courier New" panose="02070309020205020404" pitchFamily="49" charset="0"/>
-              </a:rPr>
-              <a:t>iostream</a:t>
-            </a:r>
-            <a:r>
-              <a:rPr lang="en-US" sz="2400" i="0" dirty="0">
-                <a:solidFill>
-                  <a:srgbClr val="3C3C3C"/>
-                </a:solidFill>
-                <a:cs typeface="Courier New" panose="02070309020205020404" pitchFamily="49" charset="0"/>
-              </a:rPr>
-              <a:t>&gt;</a:t>
-            </a:r>
-          </a:p>
-          <a:p>
-            <a:pPr marL="0" indent="0" eaLnBrk="1" hangingPunct="1">
+              <a:rPr lang="en-US" sz="2400" b="0" i="0" dirty="0">
+                <a:solidFill>
+                  <a:srgbClr val="C814C9"/>
+                </a:solidFill>
+                <a:latin typeface="Menlo" panose="020B0609030804020204" pitchFamily="49" charset="0"/>
+              </a:rPr>
+              <a:t>#include </a:t>
+            </a:r>
+            <a:r>
+              <a:rPr lang="en-US" sz="2400" b="0" i="0" dirty="0">
+                <a:solidFill>
+                  <a:srgbClr val="B42419"/>
+                </a:solidFill>
+                <a:latin typeface="Menlo" panose="020B0609030804020204" pitchFamily="49" charset="0"/>
+              </a:rPr>
+              <a:t>&lt;iostream&gt;</a:t>
+            </a:r>
+          </a:p>
+          <a:p>
+            <a:pPr marL="0" indent="0">
               <a:buNone/>
             </a:pPr>
             <a:r>
-              <a:rPr lang="en-US" sz="2400" i="0" dirty="0">
-                <a:cs typeface="Courier New" panose="02070309020205020404" pitchFamily="49" charset="0"/>
-              </a:rPr>
-              <a:t>using namespace </a:t>
-            </a:r>
-            <a:r>
-              <a:rPr lang="en-US" sz="2400" i="0" dirty="0" err="1">
-                <a:cs typeface="Courier New" panose="02070309020205020404" pitchFamily="49" charset="0"/>
-              </a:rPr>
-              <a:t>std</a:t>
-            </a:r>
-            <a:r>
-              <a:rPr lang="en-US" sz="2400" i="0" dirty="0">
-                <a:cs typeface="Courier New" panose="02070309020205020404" pitchFamily="49" charset="0"/>
-              </a:rPr>
-              <a:t>; </a:t>
-            </a:r>
-          </a:p>
-          <a:p>
-            <a:pPr marL="0" indent="0" eaLnBrk="1" hangingPunct="1">
+              <a:rPr lang="en-US" sz="2400" b="0" i="0" dirty="0">
+                <a:solidFill>
+                  <a:srgbClr val="C1651C"/>
+                </a:solidFill>
+                <a:latin typeface="Menlo" panose="020B0609030804020204" pitchFamily="49" charset="0"/>
+              </a:rPr>
+              <a:t>using</a:t>
+            </a:r>
+            <a:r>
+              <a:rPr lang="en-US" sz="2400" b="0" i="0" dirty="0">
+                <a:solidFill>
+                  <a:srgbClr val="000000"/>
+                </a:solidFill>
+                <a:latin typeface="Menlo" panose="020B0609030804020204" pitchFamily="49" charset="0"/>
+              </a:rPr>
+              <a:t> </a:t>
+            </a:r>
+            <a:r>
+              <a:rPr lang="en-US" sz="2400" b="0" i="0" dirty="0">
+                <a:solidFill>
+                  <a:srgbClr val="2FB41D"/>
+                </a:solidFill>
+                <a:latin typeface="Menlo" panose="020B0609030804020204" pitchFamily="49" charset="0"/>
+              </a:rPr>
+              <a:t>namespace</a:t>
+            </a:r>
+            <a:r>
+              <a:rPr lang="en-US" sz="2400" b="0" i="0" dirty="0">
+                <a:solidFill>
+                  <a:srgbClr val="000000"/>
+                </a:solidFill>
+                <a:latin typeface="Menlo" panose="020B0609030804020204" pitchFamily="49" charset="0"/>
+              </a:rPr>
+              <a:t> std;</a:t>
+            </a:r>
+            <a:endParaRPr lang="en-US" sz="2400" b="0" i="0" dirty="0">
+              <a:solidFill>
+                <a:srgbClr val="2FB41D"/>
+              </a:solidFill>
+              <a:latin typeface="Menlo" panose="020B0609030804020204" pitchFamily="49" charset="0"/>
+            </a:endParaRPr>
+          </a:p>
+          <a:p>
+            <a:pPr marL="0" indent="0">
               <a:buNone/>
             </a:pPr>
             <a:r>
-              <a:rPr lang="en-US" sz="2400" i="0" dirty="0" err="1">
-                <a:cs typeface="Courier New" panose="02070309020205020404" pitchFamily="49" charset="0"/>
+              <a:rPr lang="en-US" sz="2400" b="0" i="0" dirty="0">
+                <a:solidFill>
+                  <a:srgbClr val="2FB41D"/>
+                </a:solidFill>
+                <a:latin typeface="Menlo" panose="020B0609030804020204" pitchFamily="49" charset="0"/>
               </a:rPr>
               <a:t>int</a:t>
             </a:r>
             <a:r>
-              <a:rPr lang="en-US" sz="2400" i="0" dirty="0">
-                <a:cs typeface="Courier New" panose="02070309020205020404" pitchFamily="49" charset="0"/>
-              </a:rPr>
-              <a:t> main() </a:t>
-            </a:r>
-          </a:p>
-          <a:p>
-            <a:pPr marL="0" indent="0" eaLnBrk="1" hangingPunct="1">
+              <a:rPr lang="en-US" sz="2400" b="0" i="0" dirty="0">
+                <a:solidFill>
+                  <a:srgbClr val="000000"/>
+                </a:solidFill>
+                <a:latin typeface="Menlo" panose="020B0609030804020204" pitchFamily="49" charset="0"/>
+              </a:rPr>
+              <a:t> main()</a:t>
+            </a:r>
+          </a:p>
+          <a:p>
+            <a:pPr marL="0" indent="0">
               <a:buNone/>
             </a:pPr>
             <a:r>
-              <a:rPr lang="en-US" sz="2400" i="0" dirty="0">
-                <a:cs typeface="Courier New" panose="02070309020205020404" pitchFamily="49" charset="0"/>
+              <a:rPr lang="en-US" sz="2400" b="0" i="0" dirty="0">
+                <a:solidFill>
+                  <a:srgbClr val="000000"/>
+                </a:solidFill>
+                <a:latin typeface="Menlo" panose="020B0609030804020204" pitchFamily="49" charset="0"/>
               </a:rPr>
               <a:t>{</a:t>
             </a:r>
           </a:p>
           <a:p>
-            <a:pPr marL="0" indent="0" eaLnBrk="1" hangingPunct="1">
+            <a:pPr marL="0" indent="0">
               <a:buNone/>
             </a:pPr>
             <a:r>
-              <a:rPr lang="en-US" sz="2400" i="0" dirty="0">
-                <a:cs typeface="Courier New" panose="02070309020205020404" pitchFamily="49" charset="0"/>
-              </a:rPr>
-              <a:t>  </a:t>
-            </a:r>
-            <a:r>
-              <a:rPr lang="en-US" sz="2400" i="0" dirty="0" err="1">
-                <a:cs typeface="Courier New" panose="02070309020205020404" pitchFamily="49" charset="0"/>
+              <a:rPr lang="en-US" sz="2400" b="0" i="0" dirty="0">
+                <a:solidFill>
+                  <a:srgbClr val="000000"/>
+                </a:solidFill>
+                <a:latin typeface="Menlo" panose="020B0609030804020204" pitchFamily="49" charset="0"/>
+              </a:rPr>
+              <a:t>  </a:t>
+            </a:r>
+            <a:r>
+              <a:rPr lang="en-US" sz="2400" b="0" i="0" dirty="0" err="1">
+                <a:solidFill>
+                  <a:srgbClr val="000000"/>
+                </a:solidFill>
+                <a:latin typeface="Menlo" panose="020B0609030804020204" pitchFamily="49" charset="0"/>
               </a:rPr>
               <a:t>cout</a:t>
             </a:r>
             <a:r>
-              <a:rPr lang="en-US" sz="2400" i="0" dirty="0">
-                <a:cs typeface="Courier New" panose="02070309020205020404" pitchFamily="49" charset="0"/>
-              </a:rPr>
-              <a:t> &lt;&lt; "Hello, World!" &lt;&lt; </a:t>
-            </a:r>
-            <a:r>
-              <a:rPr lang="en-US" sz="2400" i="0" dirty="0" err="1">
-                <a:cs typeface="Courier New" panose="02070309020205020404" pitchFamily="49" charset="0"/>
+              <a:rPr lang="en-US" sz="2400" b="0" i="0" dirty="0">
+                <a:solidFill>
+                  <a:srgbClr val="000000"/>
+                </a:solidFill>
+                <a:latin typeface="Menlo" panose="020B0609030804020204" pitchFamily="49" charset="0"/>
+              </a:rPr>
+              <a:t> &lt;&lt; </a:t>
+            </a:r>
+            <a:r>
+              <a:rPr lang="en-US" sz="2400" b="0" i="0" dirty="0">
+                <a:solidFill>
+                  <a:srgbClr val="B42419"/>
+                </a:solidFill>
+                <a:latin typeface="Menlo" panose="020B0609030804020204" pitchFamily="49" charset="0"/>
+              </a:rPr>
+              <a:t>"Hello, World!"</a:t>
+            </a:r>
+            <a:r>
+              <a:rPr lang="en-US" sz="2400" b="0" i="0" dirty="0">
+                <a:solidFill>
+                  <a:srgbClr val="000000"/>
+                </a:solidFill>
+                <a:latin typeface="Menlo" panose="020B0609030804020204" pitchFamily="49" charset="0"/>
+              </a:rPr>
+              <a:t> &lt;&lt; </a:t>
+            </a:r>
+            <a:r>
+              <a:rPr lang="en-US" sz="2400" b="0" i="0" dirty="0" err="1">
+                <a:solidFill>
+                  <a:srgbClr val="000000"/>
+                </a:solidFill>
+                <a:latin typeface="Menlo" panose="020B0609030804020204" pitchFamily="49" charset="0"/>
               </a:rPr>
               <a:t>endl</a:t>
             </a:r>
             <a:r>
-              <a:rPr lang="en-US" sz="2400" i="0" dirty="0">
-                <a:cs typeface="Courier New" panose="02070309020205020404" pitchFamily="49" charset="0"/>
+              <a:rPr lang="en-US" sz="2400" b="0" i="0" dirty="0">
+                <a:solidFill>
+                  <a:srgbClr val="000000"/>
+                </a:solidFill>
+                <a:latin typeface="Menlo" panose="020B0609030804020204" pitchFamily="49" charset="0"/>
               </a:rPr>
               <a:t>;</a:t>
             </a:r>
           </a:p>
           <a:p>
-            <a:pPr marL="0" indent="0" eaLnBrk="1" hangingPunct="1">
+            <a:pPr marL="0" indent="0">
               <a:buNone/>
             </a:pPr>
-            <a:endParaRPr lang="en-US" sz="2400" i="0" dirty="0">
-              <a:cs typeface="Courier New" panose="02070309020205020404" pitchFamily="49" charset="0"/>
+            <a:r>
+              <a:rPr lang="en-US" sz="2400" b="0" i="0" dirty="0">
+                <a:solidFill>
+                  <a:srgbClr val="000000"/>
+                </a:solidFill>
+                <a:latin typeface="Menlo" panose="020B0609030804020204" pitchFamily="49" charset="0"/>
+              </a:rPr>
+              <a:t>  </a:t>
+            </a:r>
+            <a:r>
+              <a:rPr lang="en-US" sz="2400" b="0" i="0" dirty="0">
+                <a:solidFill>
+                  <a:srgbClr val="C1651C"/>
+                </a:solidFill>
+                <a:highlight>
+                  <a:srgbClr val="FFFF00"/>
+                </a:highlight>
+                <a:latin typeface="Menlo" panose="020B0609030804020204" pitchFamily="49" charset="0"/>
+              </a:rPr>
+              <a:t>return</a:t>
+            </a:r>
+            <a:r>
+              <a:rPr lang="en-US" sz="2400" b="0" i="0" dirty="0">
+                <a:solidFill>
+                  <a:srgbClr val="000000"/>
+                </a:solidFill>
+                <a:highlight>
+                  <a:srgbClr val="FFFF00"/>
+                </a:highlight>
+                <a:latin typeface="Menlo" panose="020B0609030804020204" pitchFamily="49" charset="0"/>
+              </a:rPr>
+              <a:t> </a:t>
+            </a:r>
+            <a:r>
+              <a:rPr lang="en-US" sz="2400" b="0" i="0" dirty="0">
+                <a:solidFill>
+                  <a:srgbClr val="B42419"/>
+                </a:solidFill>
+                <a:highlight>
+                  <a:srgbClr val="FFFF00"/>
+                </a:highlight>
+                <a:latin typeface="Menlo" panose="020B0609030804020204" pitchFamily="49" charset="0"/>
+              </a:rPr>
+              <a:t>0</a:t>
+            </a:r>
+            <a:r>
+              <a:rPr lang="en-US" sz="2400" b="0" i="0" dirty="0">
+                <a:solidFill>
+                  <a:srgbClr val="000000"/>
+                </a:solidFill>
+                <a:highlight>
+                  <a:srgbClr val="FFFF00"/>
+                </a:highlight>
+                <a:latin typeface="Menlo" panose="020B0609030804020204" pitchFamily="49" charset="0"/>
+              </a:rPr>
+              <a:t>;</a:t>
+            </a:r>
+            <a:endParaRPr lang="en-US" sz="2400" b="0" i="0" dirty="0">
+              <a:solidFill>
+                <a:srgbClr val="C1651C"/>
+              </a:solidFill>
+              <a:highlight>
+                <a:srgbClr val="FFFF00"/>
+              </a:highlight>
+              <a:latin typeface="Menlo" panose="020B0609030804020204" pitchFamily="49" charset="0"/>
             </a:endParaRPr>
           </a:p>
           <a:p>
-            <a:pPr marL="0" indent="0" eaLnBrk="1" hangingPunct="1">
+            <a:pPr marL="0" indent="0">
               <a:buNone/>
             </a:pPr>
             <a:r>
-              <a:rPr lang="en-US" sz="2400" i="0" dirty="0">
-                <a:cs typeface="Courier New" panose="02070309020205020404" pitchFamily="49" charset="0"/>
-              </a:rPr>
-              <a:t>  </a:t>
-            </a:r>
-            <a:r>
-              <a:rPr lang="en-US" sz="2400" i="0" u="sng" dirty="0">
-                <a:cs typeface="Courier New" panose="02070309020205020404" pitchFamily="49" charset="0"/>
-              </a:rPr>
-              <a:t>return 0</a:t>
-            </a:r>
-            <a:r>
-              <a:rPr lang="en-US" sz="2400" i="0" dirty="0">
-                <a:cs typeface="Courier New" panose="02070309020205020404" pitchFamily="49" charset="0"/>
-              </a:rPr>
-              <a:t>;</a:t>
-            </a:r>
-          </a:p>
-          <a:p>
-            <a:pPr marL="0" indent="0" eaLnBrk="1" hangingPunct="1">
-              <a:buNone/>
-            </a:pPr>
-            <a:r>
-              <a:rPr lang="en-US" sz="2400" i="0" dirty="0">
-                <a:cs typeface="Courier New" panose="02070309020205020404" pitchFamily="49" charset="0"/>
+              <a:rPr lang="en-US" sz="2400" b="0" i="0" dirty="0">
+                <a:solidFill>
+                  <a:srgbClr val="000000"/>
+                </a:solidFill>
+                <a:latin typeface="Menlo" panose="020B0609030804020204" pitchFamily="49" charset="0"/>
               </a:rPr>
               <a:t>}</a:t>
             </a:r>
-            <a:endParaRPr lang="en-US" altLang="en-US" sz="2400" i="0" dirty="0">
-              <a:cs typeface="Courier New" panose="02070309020205020404" pitchFamily="49" charset="0"/>
-            </a:endParaRPr>
           </a:p>
         </p:txBody>
       </p:sp>
